--- a/Presentation2.pptx
+++ b/Presentation2.pptx
@@ -5,8 +5,9 @@
     <p:sldMasterId id="2147483648" r:id="rId1"/>
   </p:sldMasterIdLst>
   <p:sldIdLst>
-    <p:sldId id="257" r:id="rId2"/>
-    <p:sldId id="258" r:id="rId3"/>
+    <p:sldId id="258" r:id="rId2"/>
+    <p:sldId id="259" r:id="rId3"/>
+    <p:sldId id="260" r:id="rId4"/>
   </p:sldIdLst>
   <p:sldSz cx="12192000" cy="6858000"/>
   <p:notesSz cx="6858000" cy="9144000"/>
@@ -105,6 +106,11 @@
       </a:defRPr>
     </a:lvl9pPr>
   </p:defaultTextStyle>
+  <p:extLst>
+    <p:ext uri="{EFAFB233-063F-42B5-8137-9DF3F51BA10A}">
+      <p15:sldGuideLst xmlns:p15="http://schemas.microsoft.com/office/powerpoint/2012/main"/>
+    </p:ext>
+  </p:extLst>
 </p:presentation>
 </file>
 
@@ -3327,154 +3333,75 @@
           <p:cNvPr id="2" name="Title 1">
             <a:extLst>
               <a:ext uri="{FF2B5EF4-FFF2-40B4-BE49-F238E27FC236}">
-                <a16:creationId xmlns:a16="http://schemas.microsoft.com/office/drawing/2014/main" id="{31F7FBE8-A626-A562-CCE4-61C33668FC2A}"/>
-              </a:ext>
-            </a:extLst>
-          </p:cNvPr>
-          <p:cNvSpPr>
-            <a:spLocks noGrp="1"/>
-          </p:cNvSpPr>
-          <p:nvPr>
-            <p:ph type="title"/>
-          </p:nvPr>
-        </p:nvSpPr>
-        <p:spPr/>
-        <p:txBody>
-          <a:bodyPr>
-            <a:normAutofit fontScale="90000"/>
-          </a:bodyPr>
-          <a:lstStyle/>
-          <a:p>
-            <a:pPr>
-              <a:lnSpc>
-                <a:spcPts val="1425"/>
-              </a:lnSpc>
-            </a:pPr>
-            <a:br>
-              <a:rPr lang="en-US" b="1" dirty="0">
-                <a:solidFill>
-                  <a:srgbClr val="569CD6"/>
-                </a:solidFill>
-                <a:effectLst/>
-                <a:latin typeface="Consolas" panose="020B0609020204030204" pitchFamily="49" charset="0"/>
-              </a:rPr>
-            </a:br>
-            <a:br>
-              <a:rPr lang="en-US" b="1" dirty="0">
-                <a:solidFill>
-                  <a:srgbClr val="569CD6"/>
-                </a:solidFill>
-                <a:effectLst/>
-                <a:latin typeface="Consolas" panose="020B0609020204030204" pitchFamily="49" charset="0"/>
-              </a:rPr>
-            </a:br>
-            <a:br>
-              <a:rPr lang="en-US" b="1" dirty="0">
-                <a:solidFill>
-                  <a:srgbClr val="569CD6"/>
-                </a:solidFill>
-                <a:effectLst/>
-                <a:latin typeface="Consolas" panose="020B0609020204030204" pitchFamily="49" charset="0"/>
-              </a:rPr>
-            </a:br>
-            <a:r>
-              <a:rPr lang="en-US" b="1" dirty="0">
-                <a:solidFill>
-                  <a:srgbClr val="569CD6"/>
-                </a:solidFill>
-                <a:effectLst/>
-                <a:latin typeface="Consolas" panose="020B0609020204030204" pitchFamily="49" charset="0"/>
-              </a:rPr>
-              <a:t>🩺 </a:t>
-            </a:r>
-            <a:r>
-              <a:rPr lang="en-US" b="1" dirty="0" err="1">
-                <a:solidFill>
-                  <a:srgbClr val="569CD6"/>
-                </a:solidFill>
-                <a:effectLst/>
-                <a:latin typeface="Consolas" panose="020B0609020204030204" pitchFamily="49" charset="0"/>
-              </a:rPr>
-              <a:t>TITLE:Diabetes</a:t>
-            </a:r>
-            <a:r>
-              <a:rPr lang="en-US" b="1" dirty="0">
-                <a:solidFill>
-                  <a:srgbClr val="569CD6"/>
-                </a:solidFill>
-                <a:latin typeface="Consolas" panose="020B0609020204030204" pitchFamily="49" charset="0"/>
-              </a:rPr>
-              <a:t> Treatment And </a:t>
-            </a:r>
-            <a:br>
-              <a:rPr lang="en-US" b="0" dirty="0">
-                <a:solidFill>
-                  <a:srgbClr val="CCCCCC"/>
-                </a:solidFill>
-                <a:effectLst/>
-                <a:latin typeface="Consolas" panose="020B0609020204030204" pitchFamily="49" charset="0"/>
-              </a:rPr>
-            </a:br>
-            <a:br>
-              <a:rPr lang="en-US" b="0" dirty="0">
-                <a:solidFill>
-                  <a:srgbClr val="CCCCCC"/>
-                </a:solidFill>
-                <a:effectLst/>
-                <a:latin typeface="Consolas" panose="020B0609020204030204" pitchFamily="49" charset="0"/>
-              </a:rPr>
-            </a:br>
-            <a:br>
-              <a:rPr lang="en-US" b="0" dirty="0">
-                <a:solidFill>
-                  <a:srgbClr val="CCCCCC"/>
-                </a:solidFill>
-                <a:effectLst/>
-                <a:latin typeface="Consolas" panose="020B0609020204030204" pitchFamily="49" charset="0"/>
-              </a:rPr>
-            </a:br>
-            <a:br>
-              <a:rPr lang="en-US" b="0" dirty="0">
-                <a:solidFill>
-                  <a:srgbClr val="CCCCCC"/>
-                </a:solidFill>
-                <a:effectLst/>
-                <a:latin typeface="Consolas" panose="020B0609020204030204" pitchFamily="49" charset="0"/>
-              </a:rPr>
-            </a:br>
-            <a:endParaRPr lang="en-US" dirty="0"/>
-          </a:p>
-        </p:txBody>
-      </p:sp>
-      <p:sp>
-        <p:nvSpPr>
-          <p:cNvPr id="3" name="Content Placeholder 2">
-            <a:extLst>
-              <a:ext uri="{FF2B5EF4-FFF2-40B4-BE49-F238E27FC236}">
-                <a16:creationId xmlns:a16="http://schemas.microsoft.com/office/drawing/2014/main" id="{267B9A18-CFCE-D1BC-A0B4-3BC54662B5B1}"/>
-              </a:ext>
-            </a:extLst>
-          </p:cNvPr>
-          <p:cNvSpPr>
-            <a:spLocks noGrp="1"/>
-          </p:cNvSpPr>
-          <p:nvPr>
-            <p:ph idx="1"/>
-          </p:nvPr>
-        </p:nvSpPr>
-        <p:spPr/>
-        <p:txBody>
-          <a:bodyPr/>
-          <a:lstStyle/>
-          <a:p>
-            <a:endParaRPr lang="en-US"/>
+                <a16:creationId xmlns:a16="http://schemas.microsoft.com/office/drawing/2014/main" id="{1D7243BB-25C9-F05C-395C-9FB0DC21132D}"/>
+              </a:ext>
+            </a:extLst>
+          </p:cNvPr>
+          <p:cNvSpPr>
+            <a:spLocks noGrp="1"/>
+          </p:cNvSpPr>
+          <p:nvPr>
+            <p:ph type="ctrTitle"/>
+          </p:nvPr>
+        </p:nvSpPr>
+        <p:spPr/>
+        <p:txBody>
+          <a:bodyPr/>
+          <a:lstStyle/>
+          <a:p>
+            <a:r>
+              <a:rPr lang="en-US" dirty="0"/>
+              <a:t>TITLE: Diabetes Treatment A </a:t>
+            </a:r>
+            <a:r>
+              <a:rPr lang="en-US" dirty="0" err="1"/>
+              <a:t>nd</a:t>
+            </a:r>
+            <a:r>
+              <a:rPr lang="en-US" dirty="0"/>
+              <a:t> Readmission Prediction</a:t>
+            </a:r>
+          </a:p>
+        </p:txBody>
+      </p:sp>
+      <p:sp>
+        <p:nvSpPr>
+          <p:cNvPr id="3" name="Subtitle 2">
+            <a:extLst>
+              <a:ext uri="{FF2B5EF4-FFF2-40B4-BE49-F238E27FC236}">
+                <a16:creationId xmlns:a16="http://schemas.microsoft.com/office/drawing/2014/main" id="{EEFD806F-5774-33E3-3C7F-B4A4D9250D6D}"/>
+              </a:ext>
+            </a:extLst>
+          </p:cNvPr>
+          <p:cNvSpPr>
+            <a:spLocks noGrp="1"/>
+          </p:cNvSpPr>
+          <p:nvPr>
+            <p:ph type="subTitle" idx="1"/>
+          </p:nvPr>
+        </p:nvSpPr>
+        <p:spPr/>
+        <p:txBody>
+          <a:bodyPr/>
+          <a:lstStyle/>
+          <a:p>
+            <a:r>
+              <a:rPr lang="en-US" dirty="0"/>
+              <a:t>Presenter: Tim Kabira</a:t>
+            </a:r>
+          </a:p>
+          <a:p>
+            <a:r>
+              <a:rPr lang="en-US" dirty="0"/>
+              <a:t>Date:</a:t>
+            </a:r>
           </a:p>
         </p:txBody>
       </p:sp>
     </p:spTree>
     <p:extLst>
       <p:ext uri="{BB962C8B-B14F-4D97-AF65-F5344CB8AC3E}">
-        <p14:creationId xmlns:p14="http://schemas.microsoft.com/office/powerpoint/2010/main" val="232489814"/>
+        <p14:creationId xmlns:p14="http://schemas.microsoft.com/office/powerpoint/2010/main" val="3647700222"/>
       </p:ext>
     </p:extLst>
   </p:cSld>
@@ -3506,70 +3433,238 @@
           <p:cNvPr id="2" name="Title 1">
             <a:extLst>
               <a:ext uri="{FF2B5EF4-FFF2-40B4-BE49-F238E27FC236}">
-                <a16:creationId xmlns:a16="http://schemas.microsoft.com/office/drawing/2014/main" id="{1D7243BB-25C9-F05C-395C-9FB0DC21132D}"/>
-              </a:ext>
-            </a:extLst>
-          </p:cNvPr>
-          <p:cNvSpPr>
-            <a:spLocks noGrp="1"/>
-          </p:cNvSpPr>
-          <p:nvPr>
-            <p:ph type="ctrTitle"/>
-          </p:nvPr>
-        </p:nvSpPr>
-        <p:spPr/>
-        <p:txBody>
-          <a:bodyPr/>
-          <a:lstStyle/>
-          <a:p>
-            <a:r>
-              <a:rPr lang="en-US" dirty="0" err="1"/>
-              <a:t>TITLE:Diabetes</a:t>
-            </a:r>
+                <a16:creationId xmlns:a16="http://schemas.microsoft.com/office/drawing/2014/main" id="{7BEE01B1-DC0D-E40E-566E-1D34FD69915F}"/>
+              </a:ext>
+            </a:extLst>
+          </p:cNvPr>
+          <p:cNvSpPr>
+            <a:spLocks noGrp="1"/>
+          </p:cNvSpPr>
+          <p:nvPr>
+            <p:ph type="title"/>
+          </p:nvPr>
+        </p:nvSpPr>
+        <p:spPr/>
+        <p:txBody>
+          <a:bodyPr/>
+          <a:lstStyle/>
+          <a:p>
             <a:r>
               <a:rPr lang="en-US" dirty="0"/>
-              <a:t> Treatment A </a:t>
-            </a:r>
-            <a:r>
-              <a:rPr lang="en-US" dirty="0" err="1"/>
-              <a:t>nd</a:t>
-            </a:r>
+              <a:t>                        Introduction</a:t>
+            </a:r>
+          </a:p>
+        </p:txBody>
+      </p:sp>
+      <p:sp>
+        <p:nvSpPr>
+          <p:cNvPr id="3" name="Content Placeholder 2">
+            <a:extLst>
+              <a:ext uri="{FF2B5EF4-FFF2-40B4-BE49-F238E27FC236}">
+                <a16:creationId xmlns:a16="http://schemas.microsoft.com/office/drawing/2014/main" id="{994062C6-0AC8-30B5-24F3-330AAD260466}"/>
+              </a:ext>
+            </a:extLst>
+          </p:cNvPr>
+          <p:cNvSpPr>
+            <a:spLocks noGrp="1"/>
+          </p:cNvSpPr>
+          <p:nvPr>
+            <p:ph idx="1"/>
+          </p:nvPr>
+        </p:nvSpPr>
+        <p:spPr/>
+        <p:txBody>
+          <a:bodyPr>
+            <a:normAutofit/>
+          </a:bodyPr>
+          <a:lstStyle/>
+          <a:p>
+            <a:pPr>
+              <a:buNone/>
+            </a:pPr>
             <a:r>
               <a:rPr lang="en-US" dirty="0"/>
-              <a:t> Readmission Prediction</a:t>
-            </a:r>
-          </a:p>
-        </p:txBody>
-      </p:sp>
-      <p:sp>
-        <p:nvSpPr>
-          <p:cNvPr id="3" name="Subtitle 2">
-            <a:extLst>
-              <a:ext uri="{FF2B5EF4-FFF2-40B4-BE49-F238E27FC236}">
-                <a16:creationId xmlns:a16="http://schemas.microsoft.com/office/drawing/2014/main" id="{EEFD806F-5774-33E3-3C7F-B4A4D9250D6D}"/>
-              </a:ext>
-            </a:extLst>
-          </p:cNvPr>
-          <p:cNvSpPr>
-            <a:spLocks noGrp="1"/>
-          </p:cNvSpPr>
-          <p:nvPr>
-            <p:ph type="subTitle" idx="1"/>
-          </p:nvPr>
-        </p:nvSpPr>
-        <p:spPr/>
-        <p:txBody>
-          <a:bodyPr/>
-          <a:lstStyle/>
-          <a:p>
-            <a:endParaRPr lang="en-US"/>
+              <a:t>Diabetes is one of the most common chronic illnesses worldwide, often leading to serious complications if not properly managed. A major challenge is </a:t>
+            </a:r>
+            <a:r>
+              <a:rPr lang="en-US" b="1" dirty="0"/>
+              <a:t>frequent hospital readmissions</a:t>
+            </a:r>
+            <a:r>
+              <a:rPr lang="en-US" dirty="0"/>
+              <a:t>, which:</a:t>
+            </a:r>
+          </a:p>
+          <a:p>
+            <a:pPr>
+              <a:buFont typeface="Arial" panose="020B0604020202020204" pitchFamily="34" charset="0"/>
+              <a:buChar char="•"/>
+            </a:pPr>
+            <a:r>
+              <a:rPr lang="en-US" dirty="0"/>
+              <a:t> Increase healthcare costs</a:t>
+            </a:r>
+          </a:p>
+          <a:p>
+            <a:pPr>
+              <a:buFont typeface="Arial" panose="020B0604020202020204" pitchFamily="34" charset="0"/>
+              <a:buChar char="•"/>
+            </a:pPr>
+            <a:r>
+              <a:rPr lang="en-US" dirty="0"/>
+              <a:t> Strain hospital resources</a:t>
+            </a:r>
+          </a:p>
+          <a:p>
+            <a:pPr>
+              <a:buFont typeface="Arial" panose="020B0604020202020204" pitchFamily="34" charset="0"/>
+              <a:buChar char="•"/>
+            </a:pPr>
+            <a:r>
+              <a:rPr lang="en-US" dirty="0"/>
+              <a:t>Signal gaps in patient care</a:t>
+            </a:r>
+          </a:p>
+          <a:p>
+            <a:r>
+              <a:rPr lang="en-US" dirty="0"/>
+              <a:t>This project aims to </a:t>
+            </a:r>
+            <a:r>
+              <a:rPr lang="en-US" b="1" dirty="0"/>
+              <a:t>predict diabetes treatment outcomes and hospital readmission risk</a:t>
+            </a:r>
+            <a:r>
+              <a:rPr lang="en-US" dirty="0"/>
+              <a:t> using machine learning on the </a:t>
+            </a:r>
+            <a:r>
+              <a:rPr lang="en-US" b="1" dirty="0"/>
+              <a:t>UCI Diabetes 130-US Hospitals dataset (1999–2008)</a:t>
+            </a:r>
+            <a:r>
+              <a:rPr lang="en-US" dirty="0"/>
+              <a:t>.</a:t>
+            </a:r>
+          </a:p>
+          <a:p>
+            <a:endParaRPr lang="en-US" dirty="0"/>
           </a:p>
         </p:txBody>
       </p:sp>
     </p:spTree>
     <p:extLst>
       <p:ext uri="{BB962C8B-B14F-4D97-AF65-F5344CB8AC3E}">
-        <p14:creationId xmlns:p14="http://schemas.microsoft.com/office/powerpoint/2010/main" val="3647700222"/>
+        <p14:creationId xmlns:p14="http://schemas.microsoft.com/office/powerpoint/2010/main" val="135905118"/>
+      </p:ext>
+    </p:extLst>
+  </p:cSld>
+  <p:clrMapOvr>
+    <a:masterClrMapping/>
+  </p:clrMapOvr>
+</p:sld>
+</file>
+
+<file path=ppt/slides/slide3.xml><?xml version="1.0" encoding="utf-8"?>
+<p:sld xmlns:a="http://schemas.openxmlformats.org/drawingml/2006/main" xmlns:r="http://schemas.openxmlformats.org/officeDocument/2006/relationships" xmlns:p="http://schemas.openxmlformats.org/presentationml/2006/main">
+  <p:cSld>
+    <p:spTree>
+      <p:nvGrpSpPr>
+        <p:cNvPr id="1" name=""/>
+        <p:cNvGrpSpPr/>
+        <p:nvPr/>
+      </p:nvGrpSpPr>
+      <p:grpSpPr>
+        <a:xfrm>
+          <a:off x="0" y="0"/>
+          <a:ext cx="0" cy="0"/>
+          <a:chOff x="0" y="0"/>
+          <a:chExt cx="0" cy="0"/>
+        </a:xfrm>
+      </p:grpSpPr>
+      <p:sp>
+        <p:nvSpPr>
+          <p:cNvPr id="2" name="Title 1">
+            <a:extLst>
+              <a:ext uri="{FF2B5EF4-FFF2-40B4-BE49-F238E27FC236}">
+                <a16:creationId xmlns:a16="http://schemas.microsoft.com/office/drawing/2014/main" id="{1AD76DDC-8C84-D1C5-A915-3300DE076F56}"/>
+              </a:ext>
+            </a:extLst>
+          </p:cNvPr>
+          <p:cNvSpPr>
+            <a:spLocks noGrp="1"/>
+          </p:cNvSpPr>
+          <p:nvPr>
+            <p:ph type="title"/>
+          </p:nvPr>
+        </p:nvSpPr>
+        <p:spPr/>
+        <p:txBody>
+          <a:bodyPr/>
+          <a:lstStyle/>
+          <a:p>
+            <a:r>
+              <a:rPr lang="en-US" dirty="0"/>
+              <a:t>Business Problem</a:t>
+            </a:r>
+          </a:p>
+        </p:txBody>
+      </p:sp>
+      <p:sp>
+        <p:nvSpPr>
+          <p:cNvPr id="3" name="Content Placeholder 2">
+            <a:extLst>
+              <a:ext uri="{FF2B5EF4-FFF2-40B4-BE49-F238E27FC236}">
+                <a16:creationId xmlns:a16="http://schemas.microsoft.com/office/drawing/2014/main" id="{2340DE62-80A7-9933-B241-DCA6E6ECD3A1}"/>
+              </a:ext>
+            </a:extLst>
+          </p:cNvPr>
+          <p:cNvSpPr>
+            <a:spLocks noGrp="1"/>
+          </p:cNvSpPr>
+          <p:nvPr>
+            <p:ph idx="1"/>
+          </p:nvPr>
+        </p:nvSpPr>
+        <p:spPr/>
+        <p:txBody>
+          <a:bodyPr/>
+          <a:lstStyle/>
+          <a:p>
+            <a:r>
+              <a:rPr lang="en-US"/>
+              <a:t>Hospitals </a:t>
+            </a:r>
+            <a:r>
+              <a:rPr lang="en-US" dirty="0"/>
+              <a:t>need a reliable way to predict which discharged patients are at </a:t>
+            </a:r>
+            <a:r>
+              <a:rPr lang="en-US" b="1" dirty="0"/>
+              <a:t>high risk of readmission</a:t>
+            </a:r>
+            <a:r>
+              <a:rPr lang="en-US" dirty="0"/>
+              <a:t> so that interventions (follow-ups, education, resource allocation) can be applied </a:t>
+            </a:r>
+            <a:r>
+              <a:rPr lang="en-US" b="1" dirty="0"/>
+              <a:t>before deterioration occurs</a:t>
+            </a:r>
+            <a:r>
+              <a:rPr lang="en-US" dirty="0"/>
+              <a:t>.</a:t>
+            </a:r>
+          </a:p>
+          <a:p>
+            <a:endParaRPr lang="en-US" dirty="0"/>
+          </a:p>
+        </p:txBody>
+      </p:sp>
+    </p:spTree>
+    <p:extLst>
+      <p:ext uri="{BB962C8B-B14F-4D97-AF65-F5344CB8AC3E}">
+        <p14:creationId xmlns:p14="http://schemas.microsoft.com/office/powerpoint/2010/main" val="2405532851"/>
       </p:ext>
     </p:extLst>
   </p:cSld>

--- a/Presentation2.pptx
+++ b/Presentation2.pptx
@@ -5,8 +5,12 @@
     <p:sldMasterId id="2147483648" r:id="rId1"/>
   </p:sldMasterIdLst>
   <p:sldIdLst>
-    <p:sldId id="257" r:id="rId2"/>
-    <p:sldId id="258" r:id="rId3"/>
+    <p:sldId id="258" r:id="rId2"/>
+    <p:sldId id="259" r:id="rId3"/>
+    <p:sldId id="260" r:id="rId4"/>
+    <p:sldId id="261" r:id="rId5"/>
+    <p:sldId id="262" r:id="rId6"/>
+    <p:sldId id="263" r:id="rId7"/>
   </p:sldIdLst>
   <p:sldSz cx="12192000" cy="6858000"/>
   <p:notesSz cx="6858000" cy="9144000"/>
@@ -105,6 +109,11 @@
       </a:defRPr>
     </a:lvl9pPr>
   </p:defaultTextStyle>
+  <p:extLst>
+    <p:ext uri="{EFAFB233-063F-42B5-8137-9DF3F51BA10A}">
+      <p15:sldGuideLst xmlns:p15="http://schemas.microsoft.com/office/powerpoint/2012/main"/>
+    </p:ext>
+  </p:extLst>
 </p:presentation>
 </file>
 
@@ -3327,154 +3336,75 @@
           <p:cNvPr id="2" name="Title 1">
             <a:extLst>
               <a:ext uri="{FF2B5EF4-FFF2-40B4-BE49-F238E27FC236}">
-                <a16:creationId xmlns:a16="http://schemas.microsoft.com/office/drawing/2014/main" id="{31F7FBE8-A626-A562-CCE4-61C33668FC2A}"/>
-              </a:ext>
-            </a:extLst>
-          </p:cNvPr>
-          <p:cNvSpPr>
-            <a:spLocks noGrp="1"/>
-          </p:cNvSpPr>
-          <p:nvPr>
-            <p:ph type="title"/>
-          </p:nvPr>
-        </p:nvSpPr>
-        <p:spPr/>
-        <p:txBody>
-          <a:bodyPr>
-            <a:normAutofit fontScale="90000"/>
-          </a:bodyPr>
-          <a:lstStyle/>
-          <a:p>
-            <a:pPr>
-              <a:lnSpc>
-                <a:spcPts val="1425"/>
-              </a:lnSpc>
-            </a:pPr>
-            <a:br>
-              <a:rPr lang="en-US" b="1" dirty="0">
-                <a:solidFill>
-                  <a:srgbClr val="569CD6"/>
-                </a:solidFill>
-                <a:effectLst/>
-                <a:latin typeface="Consolas" panose="020B0609020204030204" pitchFamily="49" charset="0"/>
-              </a:rPr>
-            </a:br>
-            <a:br>
-              <a:rPr lang="en-US" b="1" dirty="0">
-                <a:solidFill>
-                  <a:srgbClr val="569CD6"/>
-                </a:solidFill>
-                <a:effectLst/>
-                <a:latin typeface="Consolas" panose="020B0609020204030204" pitchFamily="49" charset="0"/>
-              </a:rPr>
-            </a:br>
-            <a:br>
-              <a:rPr lang="en-US" b="1" dirty="0">
-                <a:solidFill>
-                  <a:srgbClr val="569CD6"/>
-                </a:solidFill>
-                <a:effectLst/>
-                <a:latin typeface="Consolas" panose="020B0609020204030204" pitchFamily="49" charset="0"/>
-              </a:rPr>
-            </a:br>
-            <a:r>
-              <a:rPr lang="en-US" b="1" dirty="0">
-                <a:solidFill>
-                  <a:srgbClr val="569CD6"/>
-                </a:solidFill>
-                <a:effectLst/>
-                <a:latin typeface="Consolas" panose="020B0609020204030204" pitchFamily="49" charset="0"/>
-              </a:rPr>
-              <a:t>🩺 </a:t>
-            </a:r>
-            <a:r>
-              <a:rPr lang="en-US" b="1" dirty="0" err="1">
-                <a:solidFill>
-                  <a:srgbClr val="569CD6"/>
-                </a:solidFill>
-                <a:effectLst/>
-                <a:latin typeface="Consolas" panose="020B0609020204030204" pitchFamily="49" charset="0"/>
-              </a:rPr>
-              <a:t>TITLE:Diabetes</a:t>
-            </a:r>
-            <a:r>
-              <a:rPr lang="en-US" b="1" dirty="0">
-                <a:solidFill>
-                  <a:srgbClr val="569CD6"/>
-                </a:solidFill>
-                <a:latin typeface="Consolas" panose="020B0609020204030204" pitchFamily="49" charset="0"/>
-              </a:rPr>
-              <a:t> Treatment And </a:t>
-            </a:r>
-            <a:br>
-              <a:rPr lang="en-US" b="0" dirty="0">
-                <a:solidFill>
-                  <a:srgbClr val="CCCCCC"/>
-                </a:solidFill>
-                <a:effectLst/>
-                <a:latin typeface="Consolas" panose="020B0609020204030204" pitchFamily="49" charset="0"/>
-              </a:rPr>
-            </a:br>
-            <a:br>
-              <a:rPr lang="en-US" b="0" dirty="0">
-                <a:solidFill>
-                  <a:srgbClr val="CCCCCC"/>
-                </a:solidFill>
-                <a:effectLst/>
-                <a:latin typeface="Consolas" panose="020B0609020204030204" pitchFamily="49" charset="0"/>
-              </a:rPr>
-            </a:br>
-            <a:br>
-              <a:rPr lang="en-US" b="0" dirty="0">
-                <a:solidFill>
-                  <a:srgbClr val="CCCCCC"/>
-                </a:solidFill>
-                <a:effectLst/>
-                <a:latin typeface="Consolas" panose="020B0609020204030204" pitchFamily="49" charset="0"/>
-              </a:rPr>
-            </a:br>
-            <a:br>
-              <a:rPr lang="en-US" b="0" dirty="0">
-                <a:solidFill>
-                  <a:srgbClr val="CCCCCC"/>
-                </a:solidFill>
-                <a:effectLst/>
-                <a:latin typeface="Consolas" panose="020B0609020204030204" pitchFamily="49" charset="0"/>
-              </a:rPr>
-            </a:br>
-            <a:endParaRPr lang="en-US" dirty="0"/>
-          </a:p>
-        </p:txBody>
-      </p:sp>
-      <p:sp>
-        <p:nvSpPr>
-          <p:cNvPr id="3" name="Content Placeholder 2">
-            <a:extLst>
-              <a:ext uri="{FF2B5EF4-FFF2-40B4-BE49-F238E27FC236}">
-                <a16:creationId xmlns:a16="http://schemas.microsoft.com/office/drawing/2014/main" id="{267B9A18-CFCE-D1BC-A0B4-3BC54662B5B1}"/>
-              </a:ext>
-            </a:extLst>
-          </p:cNvPr>
-          <p:cNvSpPr>
-            <a:spLocks noGrp="1"/>
-          </p:cNvSpPr>
-          <p:nvPr>
-            <p:ph idx="1"/>
-          </p:nvPr>
-        </p:nvSpPr>
-        <p:spPr/>
-        <p:txBody>
-          <a:bodyPr/>
-          <a:lstStyle/>
-          <a:p>
-            <a:endParaRPr lang="en-US"/>
+                <a16:creationId xmlns:a16="http://schemas.microsoft.com/office/drawing/2014/main" id="{1D7243BB-25C9-F05C-395C-9FB0DC21132D}"/>
+              </a:ext>
+            </a:extLst>
+          </p:cNvPr>
+          <p:cNvSpPr>
+            <a:spLocks noGrp="1"/>
+          </p:cNvSpPr>
+          <p:nvPr>
+            <p:ph type="ctrTitle"/>
+          </p:nvPr>
+        </p:nvSpPr>
+        <p:spPr/>
+        <p:txBody>
+          <a:bodyPr/>
+          <a:lstStyle/>
+          <a:p>
+            <a:r>
+              <a:rPr lang="en-US" dirty="0"/>
+              <a:t>TITLE: Diabetes Treatment A </a:t>
+            </a:r>
+            <a:r>
+              <a:rPr lang="en-US" dirty="0" err="1"/>
+              <a:t>nd</a:t>
+            </a:r>
+            <a:r>
+              <a:rPr lang="en-US" dirty="0"/>
+              <a:t> Readmission Prediction</a:t>
+            </a:r>
+          </a:p>
+        </p:txBody>
+      </p:sp>
+      <p:sp>
+        <p:nvSpPr>
+          <p:cNvPr id="3" name="Subtitle 2">
+            <a:extLst>
+              <a:ext uri="{FF2B5EF4-FFF2-40B4-BE49-F238E27FC236}">
+                <a16:creationId xmlns:a16="http://schemas.microsoft.com/office/drawing/2014/main" id="{EEFD806F-5774-33E3-3C7F-B4A4D9250D6D}"/>
+              </a:ext>
+            </a:extLst>
+          </p:cNvPr>
+          <p:cNvSpPr>
+            <a:spLocks noGrp="1"/>
+          </p:cNvSpPr>
+          <p:nvPr>
+            <p:ph type="subTitle" idx="1"/>
+          </p:nvPr>
+        </p:nvSpPr>
+        <p:spPr/>
+        <p:txBody>
+          <a:bodyPr/>
+          <a:lstStyle/>
+          <a:p>
+            <a:r>
+              <a:rPr lang="en-US" dirty="0"/>
+              <a:t>Presenter: Tim Kabira</a:t>
+            </a:r>
+          </a:p>
+          <a:p>
+            <a:r>
+              <a:rPr lang="en-US" dirty="0"/>
+              <a:t>Date:</a:t>
+            </a:r>
           </a:p>
         </p:txBody>
       </p:sp>
     </p:spTree>
     <p:extLst>
       <p:ext uri="{BB962C8B-B14F-4D97-AF65-F5344CB8AC3E}">
-        <p14:creationId xmlns:p14="http://schemas.microsoft.com/office/powerpoint/2010/main" val="232489814"/>
+        <p14:creationId xmlns:p14="http://schemas.microsoft.com/office/powerpoint/2010/main" val="3647700222"/>
       </p:ext>
     </p:extLst>
   </p:cSld>
@@ -3506,70 +3436,707 @@
           <p:cNvPr id="2" name="Title 1">
             <a:extLst>
               <a:ext uri="{FF2B5EF4-FFF2-40B4-BE49-F238E27FC236}">
-                <a16:creationId xmlns:a16="http://schemas.microsoft.com/office/drawing/2014/main" id="{1D7243BB-25C9-F05C-395C-9FB0DC21132D}"/>
-              </a:ext>
-            </a:extLst>
-          </p:cNvPr>
-          <p:cNvSpPr>
-            <a:spLocks noGrp="1"/>
-          </p:cNvSpPr>
-          <p:nvPr>
-            <p:ph type="ctrTitle"/>
-          </p:nvPr>
-        </p:nvSpPr>
-        <p:spPr/>
-        <p:txBody>
-          <a:bodyPr/>
-          <a:lstStyle/>
-          <a:p>
-            <a:r>
-              <a:rPr lang="en-US" dirty="0" err="1"/>
-              <a:t>TITLE:Diabetes</a:t>
-            </a:r>
+                <a16:creationId xmlns:a16="http://schemas.microsoft.com/office/drawing/2014/main" id="{7BEE01B1-DC0D-E40E-566E-1D34FD69915F}"/>
+              </a:ext>
+            </a:extLst>
+          </p:cNvPr>
+          <p:cNvSpPr>
+            <a:spLocks noGrp="1"/>
+          </p:cNvSpPr>
+          <p:nvPr>
+            <p:ph type="title"/>
+          </p:nvPr>
+        </p:nvSpPr>
+        <p:spPr/>
+        <p:txBody>
+          <a:bodyPr/>
+          <a:lstStyle/>
+          <a:p>
             <a:r>
               <a:rPr lang="en-US" dirty="0"/>
-              <a:t> Treatment A </a:t>
-            </a:r>
-            <a:r>
-              <a:rPr lang="en-US" dirty="0" err="1"/>
-              <a:t>nd</a:t>
-            </a:r>
+              <a:t>                        Introduction</a:t>
+            </a:r>
+          </a:p>
+        </p:txBody>
+      </p:sp>
+      <p:sp>
+        <p:nvSpPr>
+          <p:cNvPr id="3" name="Content Placeholder 2">
+            <a:extLst>
+              <a:ext uri="{FF2B5EF4-FFF2-40B4-BE49-F238E27FC236}">
+                <a16:creationId xmlns:a16="http://schemas.microsoft.com/office/drawing/2014/main" id="{994062C6-0AC8-30B5-24F3-330AAD260466}"/>
+              </a:ext>
+            </a:extLst>
+          </p:cNvPr>
+          <p:cNvSpPr>
+            <a:spLocks noGrp="1"/>
+          </p:cNvSpPr>
+          <p:nvPr>
+            <p:ph idx="1"/>
+          </p:nvPr>
+        </p:nvSpPr>
+        <p:spPr/>
+        <p:txBody>
+          <a:bodyPr>
+            <a:normAutofit/>
+          </a:bodyPr>
+          <a:lstStyle/>
+          <a:p>
+            <a:pPr>
+              <a:buNone/>
+            </a:pPr>
             <a:r>
               <a:rPr lang="en-US" dirty="0"/>
-              <a:t> Readmission Prediction</a:t>
-            </a:r>
-          </a:p>
-        </p:txBody>
-      </p:sp>
-      <p:sp>
-        <p:nvSpPr>
-          <p:cNvPr id="3" name="Subtitle 2">
-            <a:extLst>
-              <a:ext uri="{FF2B5EF4-FFF2-40B4-BE49-F238E27FC236}">
-                <a16:creationId xmlns:a16="http://schemas.microsoft.com/office/drawing/2014/main" id="{EEFD806F-5774-33E3-3C7F-B4A4D9250D6D}"/>
-              </a:ext>
-            </a:extLst>
-          </p:cNvPr>
-          <p:cNvSpPr>
-            <a:spLocks noGrp="1"/>
-          </p:cNvSpPr>
-          <p:nvPr>
-            <p:ph type="subTitle" idx="1"/>
-          </p:nvPr>
-        </p:nvSpPr>
-        <p:spPr/>
-        <p:txBody>
-          <a:bodyPr/>
-          <a:lstStyle/>
-          <a:p>
-            <a:endParaRPr lang="en-US"/>
+              <a:t>Diabetes is one of the most common chronic illnesses worldwide, often leading to serious complications if not properly managed. A major challenge is </a:t>
+            </a:r>
+            <a:r>
+              <a:rPr lang="en-US" b="1" dirty="0"/>
+              <a:t>frequent hospital readmissions</a:t>
+            </a:r>
+            <a:r>
+              <a:rPr lang="en-US" dirty="0"/>
+              <a:t>, which:</a:t>
+            </a:r>
+          </a:p>
+          <a:p>
+            <a:pPr>
+              <a:buFont typeface="Arial" panose="020B0604020202020204" pitchFamily="34" charset="0"/>
+              <a:buChar char="•"/>
+            </a:pPr>
+            <a:r>
+              <a:rPr lang="en-US" dirty="0"/>
+              <a:t> Increase healthcare costs</a:t>
+            </a:r>
+          </a:p>
+          <a:p>
+            <a:pPr>
+              <a:buFont typeface="Arial" panose="020B0604020202020204" pitchFamily="34" charset="0"/>
+              <a:buChar char="•"/>
+            </a:pPr>
+            <a:r>
+              <a:rPr lang="en-US" dirty="0"/>
+              <a:t> Strain hospital resources</a:t>
+            </a:r>
+          </a:p>
+          <a:p>
+            <a:pPr>
+              <a:buFont typeface="Arial" panose="020B0604020202020204" pitchFamily="34" charset="0"/>
+              <a:buChar char="•"/>
+            </a:pPr>
+            <a:r>
+              <a:rPr lang="en-US" dirty="0"/>
+              <a:t>Signal gaps in patient care</a:t>
+            </a:r>
+          </a:p>
+          <a:p>
+            <a:r>
+              <a:rPr lang="en-US" dirty="0"/>
+              <a:t>This project aims to </a:t>
+            </a:r>
+            <a:r>
+              <a:rPr lang="en-US" b="1" dirty="0"/>
+              <a:t>predict diabetes treatment outcomes and hospital readmission risk</a:t>
+            </a:r>
+            <a:r>
+              <a:rPr lang="en-US" dirty="0"/>
+              <a:t> using machine learning on the </a:t>
+            </a:r>
+            <a:r>
+              <a:rPr lang="en-US" b="1" dirty="0"/>
+              <a:t>UCI Diabetes 130-US Hospitals dataset (1999–2008)</a:t>
+            </a:r>
+            <a:r>
+              <a:rPr lang="en-US" dirty="0"/>
+              <a:t>.</a:t>
+            </a:r>
+          </a:p>
+          <a:p>
+            <a:endParaRPr lang="en-US" dirty="0"/>
           </a:p>
         </p:txBody>
       </p:sp>
     </p:spTree>
     <p:extLst>
       <p:ext uri="{BB962C8B-B14F-4D97-AF65-F5344CB8AC3E}">
-        <p14:creationId xmlns:p14="http://schemas.microsoft.com/office/powerpoint/2010/main" val="3647700222"/>
+        <p14:creationId xmlns:p14="http://schemas.microsoft.com/office/powerpoint/2010/main" val="135905118"/>
+      </p:ext>
+    </p:extLst>
+  </p:cSld>
+  <p:clrMapOvr>
+    <a:masterClrMapping/>
+  </p:clrMapOvr>
+</p:sld>
+</file>
+
+<file path=ppt/slides/slide3.xml><?xml version="1.0" encoding="utf-8"?>
+<p:sld xmlns:a="http://schemas.openxmlformats.org/drawingml/2006/main" xmlns:r="http://schemas.openxmlformats.org/officeDocument/2006/relationships" xmlns:p="http://schemas.openxmlformats.org/presentationml/2006/main">
+  <p:cSld>
+    <p:spTree>
+      <p:nvGrpSpPr>
+        <p:cNvPr id="1" name=""/>
+        <p:cNvGrpSpPr/>
+        <p:nvPr/>
+      </p:nvGrpSpPr>
+      <p:grpSpPr>
+        <a:xfrm>
+          <a:off x="0" y="0"/>
+          <a:ext cx="0" cy="0"/>
+          <a:chOff x="0" y="0"/>
+          <a:chExt cx="0" cy="0"/>
+        </a:xfrm>
+      </p:grpSpPr>
+      <p:sp>
+        <p:nvSpPr>
+          <p:cNvPr id="2" name="Title 1">
+            <a:extLst>
+              <a:ext uri="{FF2B5EF4-FFF2-40B4-BE49-F238E27FC236}">
+                <a16:creationId xmlns:a16="http://schemas.microsoft.com/office/drawing/2014/main" id="{1AD76DDC-8C84-D1C5-A915-3300DE076F56}"/>
+              </a:ext>
+            </a:extLst>
+          </p:cNvPr>
+          <p:cNvSpPr>
+            <a:spLocks noGrp="1"/>
+          </p:cNvSpPr>
+          <p:nvPr>
+            <p:ph type="title"/>
+          </p:nvPr>
+        </p:nvSpPr>
+        <p:spPr/>
+        <p:txBody>
+          <a:bodyPr/>
+          <a:lstStyle/>
+          <a:p>
+            <a:r>
+              <a:rPr lang="en-US" dirty="0"/>
+              <a:t>Business Problem</a:t>
+            </a:r>
+          </a:p>
+        </p:txBody>
+      </p:sp>
+      <p:sp>
+        <p:nvSpPr>
+          <p:cNvPr id="3" name="Content Placeholder 2">
+            <a:extLst>
+              <a:ext uri="{FF2B5EF4-FFF2-40B4-BE49-F238E27FC236}">
+                <a16:creationId xmlns:a16="http://schemas.microsoft.com/office/drawing/2014/main" id="{2340DE62-80A7-9933-B241-DCA6E6ECD3A1}"/>
+              </a:ext>
+            </a:extLst>
+          </p:cNvPr>
+          <p:cNvSpPr>
+            <a:spLocks noGrp="1"/>
+          </p:cNvSpPr>
+          <p:nvPr>
+            <p:ph idx="1"/>
+          </p:nvPr>
+        </p:nvSpPr>
+        <p:spPr/>
+        <p:txBody>
+          <a:bodyPr/>
+          <a:lstStyle/>
+          <a:p>
+            <a:r>
+              <a:rPr lang="en-US" dirty="0"/>
+              <a:t>Hospitals need a reliable way to predict which discharged patients are at </a:t>
+            </a:r>
+            <a:r>
+              <a:rPr lang="en-US" b="1" dirty="0"/>
+              <a:t>high risk of readmission</a:t>
+            </a:r>
+            <a:r>
+              <a:rPr lang="en-US" dirty="0"/>
+              <a:t> so that interventions (follow-ups, education, resource allocation) can be applied </a:t>
+            </a:r>
+            <a:r>
+              <a:rPr lang="en-US" b="1" dirty="0"/>
+              <a:t>before deterioration occurs</a:t>
+            </a:r>
+            <a:r>
+              <a:rPr lang="en-US" dirty="0"/>
+              <a:t>.</a:t>
+            </a:r>
+          </a:p>
+          <a:p>
+            <a:endParaRPr lang="en-US" dirty="0"/>
+          </a:p>
+        </p:txBody>
+      </p:sp>
+    </p:spTree>
+    <p:extLst>
+      <p:ext uri="{BB962C8B-B14F-4D97-AF65-F5344CB8AC3E}">
+        <p14:creationId xmlns:p14="http://schemas.microsoft.com/office/powerpoint/2010/main" val="2405532851"/>
+      </p:ext>
+    </p:extLst>
+  </p:cSld>
+  <p:clrMapOvr>
+    <a:masterClrMapping/>
+  </p:clrMapOvr>
+</p:sld>
+</file>
+
+<file path=ppt/slides/slide4.xml><?xml version="1.0" encoding="utf-8"?>
+<p:sld xmlns:a="http://schemas.openxmlformats.org/drawingml/2006/main" xmlns:r="http://schemas.openxmlformats.org/officeDocument/2006/relationships" xmlns:p="http://schemas.openxmlformats.org/presentationml/2006/main">
+  <p:cSld>
+    <p:spTree>
+      <p:nvGrpSpPr>
+        <p:cNvPr id="1" name=""/>
+        <p:cNvGrpSpPr/>
+        <p:nvPr/>
+      </p:nvGrpSpPr>
+      <p:grpSpPr>
+        <a:xfrm>
+          <a:off x="0" y="0"/>
+          <a:ext cx="0" cy="0"/>
+          <a:chOff x="0" y="0"/>
+          <a:chExt cx="0" cy="0"/>
+        </a:xfrm>
+      </p:grpSpPr>
+      <p:sp>
+        <p:nvSpPr>
+          <p:cNvPr id="2" name="Title 1">
+            <a:extLst>
+              <a:ext uri="{FF2B5EF4-FFF2-40B4-BE49-F238E27FC236}">
+                <a16:creationId xmlns:a16="http://schemas.microsoft.com/office/drawing/2014/main" id="{374EDD8F-9F14-079E-02DD-26DA9D1F1DD1}"/>
+              </a:ext>
+            </a:extLst>
+          </p:cNvPr>
+          <p:cNvSpPr>
+            <a:spLocks noGrp="1"/>
+          </p:cNvSpPr>
+          <p:nvPr>
+            <p:ph type="title"/>
+          </p:nvPr>
+        </p:nvSpPr>
+        <p:spPr/>
+        <p:txBody>
+          <a:bodyPr/>
+          <a:lstStyle/>
+          <a:p>
+            <a:r>
+              <a:rPr lang="en-US" dirty="0"/>
+              <a:t>                         Project Objectives</a:t>
+            </a:r>
+          </a:p>
+        </p:txBody>
+      </p:sp>
+      <p:sp>
+        <p:nvSpPr>
+          <p:cNvPr id="3" name="Content Placeholder 2">
+            <a:extLst>
+              <a:ext uri="{FF2B5EF4-FFF2-40B4-BE49-F238E27FC236}">
+                <a16:creationId xmlns:a16="http://schemas.microsoft.com/office/drawing/2014/main" id="{D05D1301-872D-F8CE-687A-7EA90E90EB3A}"/>
+              </a:ext>
+            </a:extLst>
+          </p:cNvPr>
+          <p:cNvSpPr>
+            <a:spLocks noGrp="1"/>
+          </p:cNvSpPr>
+          <p:nvPr>
+            <p:ph idx="1"/>
+          </p:nvPr>
+        </p:nvSpPr>
+        <p:spPr/>
+        <p:txBody>
+          <a:bodyPr>
+            <a:normAutofit fontScale="77500" lnSpcReduction="20000"/>
+          </a:bodyPr>
+          <a:lstStyle/>
+          <a:p>
+            <a:pPr>
+              <a:buNone/>
+            </a:pPr>
+            <a:endParaRPr lang="en-US" b="1" dirty="0"/>
+          </a:p>
+          <a:p>
+            <a:pPr>
+              <a:buNone/>
+            </a:pPr>
+            <a:r>
+              <a:rPr lang="en-US" b="1" dirty="0"/>
+              <a:t>1. Predict High-Risk Patients</a:t>
+            </a:r>
+          </a:p>
+          <a:p>
+            <a:pPr>
+              <a:buFont typeface="Arial" panose="020B0604020202020204" pitchFamily="34" charset="0"/>
+              <a:buChar char="•"/>
+            </a:pPr>
+            <a:r>
+              <a:rPr lang="en-US" dirty="0"/>
+              <a:t>Develop a machine learning model to </a:t>
+            </a:r>
+            <a:r>
+              <a:rPr lang="en-US" b="1" dirty="0"/>
+              <a:t>identify diabetic patients likely to be readmitted</a:t>
+            </a:r>
+            <a:r>
+              <a:rPr lang="en-US" dirty="0"/>
+              <a:t> within 30 days of discharge.</a:t>
+            </a:r>
+          </a:p>
+          <a:p>
+            <a:pPr>
+              <a:buFont typeface="Arial" panose="020B0604020202020204" pitchFamily="34" charset="0"/>
+              <a:buChar char="•"/>
+            </a:pPr>
+            <a:r>
+              <a:rPr lang="en-US" dirty="0"/>
+              <a:t>Enable hospitals to </a:t>
+            </a:r>
+            <a:r>
+              <a:rPr lang="en-US" b="1" dirty="0"/>
+              <a:t>proactively intervene</a:t>
+            </a:r>
+            <a:r>
+              <a:rPr lang="en-US" dirty="0"/>
+              <a:t> before readmission occurs.</a:t>
+            </a:r>
+          </a:p>
+          <a:p>
+            <a:pPr>
+              <a:buNone/>
+            </a:pPr>
+            <a:r>
+              <a:rPr lang="en-US" b="1" dirty="0"/>
+              <a:t>2. Reduce Healthcare Costs</a:t>
+            </a:r>
+          </a:p>
+          <a:p>
+            <a:pPr>
+              <a:buFont typeface="Arial" panose="020B0604020202020204" pitchFamily="34" charset="0"/>
+              <a:buChar char="•"/>
+            </a:pPr>
+            <a:r>
+              <a:rPr lang="en-US" dirty="0"/>
+              <a:t>Minimize </a:t>
+            </a:r>
+            <a:r>
+              <a:rPr lang="en-US" b="1" dirty="0"/>
+              <a:t>avoidable readmissions</a:t>
+            </a:r>
+            <a:r>
+              <a:rPr lang="en-US" dirty="0"/>
+              <a:t>, which are expensive for both hospitals and patients.</a:t>
+            </a:r>
+          </a:p>
+          <a:p>
+            <a:pPr>
+              <a:buFont typeface="Arial" panose="020B0604020202020204" pitchFamily="34" charset="0"/>
+              <a:buChar char="•"/>
+            </a:pPr>
+            <a:r>
+              <a:rPr lang="en-US" dirty="0"/>
+              <a:t>Optimize </a:t>
+            </a:r>
+            <a:r>
+              <a:rPr lang="en-US" b="1" dirty="0"/>
+              <a:t>resource allocation</a:t>
+            </a:r>
+            <a:r>
+              <a:rPr lang="en-US" dirty="0"/>
+              <a:t> (beds, staff, medications) to reduce waste and increase operational efficiency.</a:t>
+            </a:r>
+          </a:p>
+          <a:p>
+            <a:pPr>
+              <a:buNone/>
+            </a:pPr>
+            <a:r>
+              <a:rPr lang="en-US" b="1" dirty="0"/>
+              <a:t>3. Improve Patient Outcomes</a:t>
+            </a:r>
+          </a:p>
+          <a:p>
+            <a:pPr>
+              <a:buFont typeface="Arial" panose="020B0604020202020204" pitchFamily="34" charset="0"/>
+              <a:buChar char="•"/>
+            </a:pPr>
+            <a:r>
+              <a:rPr lang="en-US" dirty="0"/>
+              <a:t>Enhance the quality of care by targeting patients who need </a:t>
+            </a:r>
+            <a:r>
+              <a:rPr lang="en-US" b="1" dirty="0"/>
+              <a:t>closer follow-up, education, or additional support</a:t>
+            </a:r>
+            <a:r>
+              <a:rPr lang="en-US" dirty="0"/>
+              <a:t>.</a:t>
+            </a:r>
+          </a:p>
+          <a:p>
+            <a:pPr>
+              <a:buFont typeface="Arial" panose="020B0604020202020204" pitchFamily="34" charset="0"/>
+              <a:buChar char="•"/>
+            </a:pPr>
+            <a:r>
+              <a:rPr lang="en-US" dirty="0"/>
+              <a:t>Reduce complications, prevent deterioration, and improve patients’ overall quality of life.</a:t>
+            </a:r>
+          </a:p>
+          <a:p>
+            <a:endParaRPr lang="en-US" dirty="0"/>
+          </a:p>
+        </p:txBody>
+      </p:sp>
+    </p:spTree>
+    <p:extLst>
+      <p:ext uri="{BB962C8B-B14F-4D97-AF65-F5344CB8AC3E}">
+        <p14:creationId xmlns:p14="http://schemas.microsoft.com/office/powerpoint/2010/main" val="1490699574"/>
+      </p:ext>
+    </p:extLst>
+  </p:cSld>
+  <p:clrMapOvr>
+    <a:masterClrMapping/>
+  </p:clrMapOvr>
+</p:sld>
+</file>
+
+<file path=ppt/slides/slide5.xml><?xml version="1.0" encoding="utf-8"?>
+<p:sld xmlns:a="http://schemas.openxmlformats.org/drawingml/2006/main" xmlns:r="http://schemas.openxmlformats.org/officeDocument/2006/relationships" xmlns:p="http://schemas.openxmlformats.org/presentationml/2006/main">
+  <p:cSld>
+    <p:spTree>
+      <p:nvGrpSpPr>
+        <p:cNvPr id="1" name=""/>
+        <p:cNvGrpSpPr/>
+        <p:nvPr/>
+      </p:nvGrpSpPr>
+      <p:grpSpPr>
+        <a:xfrm>
+          <a:off x="0" y="0"/>
+          <a:ext cx="0" cy="0"/>
+          <a:chOff x="0" y="0"/>
+          <a:chExt cx="0" cy="0"/>
+        </a:xfrm>
+      </p:grpSpPr>
+      <p:sp>
+        <p:nvSpPr>
+          <p:cNvPr id="2" name="Title 1">
+            <a:extLst>
+              <a:ext uri="{FF2B5EF4-FFF2-40B4-BE49-F238E27FC236}">
+                <a16:creationId xmlns:a16="http://schemas.microsoft.com/office/drawing/2014/main" id="{BAE956C6-5C36-7245-2ABC-C569F83A4FDF}"/>
+              </a:ext>
+            </a:extLst>
+          </p:cNvPr>
+          <p:cNvSpPr>
+            <a:spLocks noGrp="1"/>
+          </p:cNvSpPr>
+          <p:nvPr>
+            <p:ph type="title"/>
+          </p:nvPr>
+        </p:nvSpPr>
+        <p:spPr/>
+        <p:txBody>
+          <a:bodyPr/>
+          <a:lstStyle/>
+          <a:p>
+            <a:r>
+              <a:rPr lang="en-US" dirty="0"/>
+              <a:t>                       Project Objectives</a:t>
+            </a:r>
+          </a:p>
+        </p:txBody>
+      </p:sp>
+      <p:sp>
+        <p:nvSpPr>
+          <p:cNvPr id="3" name="Content Placeholder 2">
+            <a:extLst>
+              <a:ext uri="{FF2B5EF4-FFF2-40B4-BE49-F238E27FC236}">
+                <a16:creationId xmlns:a16="http://schemas.microsoft.com/office/drawing/2014/main" id="{2B718B59-9E06-D051-0211-1B8FD85B9B07}"/>
+              </a:ext>
+            </a:extLst>
+          </p:cNvPr>
+          <p:cNvSpPr>
+            <a:spLocks noGrp="1"/>
+          </p:cNvSpPr>
+          <p:nvPr>
+            <p:ph idx="1"/>
+          </p:nvPr>
+        </p:nvSpPr>
+        <p:spPr/>
+        <p:txBody>
+          <a:bodyPr>
+            <a:normAutofit lnSpcReduction="10000"/>
+          </a:bodyPr>
+          <a:lstStyle/>
+          <a:p>
+            <a:pPr>
+              <a:buNone/>
+            </a:pPr>
+            <a:r>
+              <a:rPr lang="en-US" b="1" dirty="0"/>
+              <a:t>4. Support Data-Driven Clinical Decisions</a:t>
+            </a:r>
+          </a:p>
+          <a:p>
+            <a:pPr>
+              <a:buFont typeface="Arial" panose="020B0604020202020204" pitchFamily="34" charset="0"/>
+              <a:buChar char="•"/>
+            </a:pPr>
+            <a:r>
+              <a:rPr lang="en-US" dirty="0"/>
+              <a:t>Provide clinicians and hospital administrators with </a:t>
+            </a:r>
+            <a:r>
+              <a:rPr lang="en-US" b="1" dirty="0"/>
+              <a:t>interpretable insights</a:t>
+            </a:r>
+            <a:r>
+              <a:rPr lang="en-US" dirty="0"/>
+              <a:t> (e.g., risk factors, SHAP feature importance).</a:t>
+            </a:r>
+          </a:p>
+          <a:p>
+            <a:pPr>
+              <a:buFont typeface="Arial" panose="020B0604020202020204" pitchFamily="34" charset="0"/>
+              <a:buChar char="•"/>
+            </a:pPr>
+            <a:r>
+              <a:rPr lang="en-US" dirty="0"/>
+              <a:t>Help hospitals implement </a:t>
+            </a:r>
+            <a:r>
+              <a:rPr lang="en-US" b="1" dirty="0"/>
+              <a:t>evidence-based interventions</a:t>
+            </a:r>
+            <a:r>
+              <a:rPr lang="en-US" dirty="0"/>
+              <a:t> for patients at high readmission risk.</a:t>
+            </a:r>
+          </a:p>
+          <a:p>
+            <a:pPr>
+              <a:buNone/>
+            </a:pPr>
+            <a:r>
+              <a:rPr lang="en-US" b="1" dirty="0"/>
+              <a:t>5. Comply with Regulatory &amp; Performance Standards</a:t>
+            </a:r>
+          </a:p>
+          <a:p>
+            <a:pPr>
+              <a:buFont typeface="Arial" panose="020B0604020202020204" pitchFamily="34" charset="0"/>
+              <a:buChar char="•"/>
+            </a:pPr>
+            <a:r>
+              <a:rPr lang="en-US" dirty="0"/>
+              <a:t>Help hospitals meet </a:t>
+            </a:r>
+            <a:r>
+              <a:rPr lang="en-US" b="1" dirty="0"/>
+              <a:t>value-based care requirements</a:t>
+            </a:r>
+            <a:r>
+              <a:rPr lang="en-US" dirty="0"/>
+              <a:t> and avoid financial penalties due to excessive readmissions.</a:t>
+            </a:r>
+          </a:p>
+          <a:p>
+            <a:pPr>
+              <a:buFont typeface="Arial" panose="020B0604020202020204" pitchFamily="34" charset="0"/>
+              <a:buChar char="•"/>
+            </a:pPr>
+            <a:r>
+              <a:rPr lang="en-US" dirty="0"/>
+              <a:t>Improve hospital </a:t>
+            </a:r>
+            <a:r>
+              <a:rPr lang="en-US" b="1" dirty="0"/>
+              <a:t>performance metrics</a:t>
+            </a:r>
+            <a:r>
+              <a:rPr lang="en-US" dirty="0"/>
+              <a:t> and patient satisfaction scores.</a:t>
+            </a:r>
+          </a:p>
+          <a:p>
+            <a:endParaRPr lang="en-US" dirty="0"/>
+          </a:p>
+        </p:txBody>
+      </p:sp>
+    </p:spTree>
+    <p:extLst>
+      <p:ext uri="{BB962C8B-B14F-4D97-AF65-F5344CB8AC3E}">
+        <p14:creationId xmlns:p14="http://schemas.microsoft.com/office/powerpoint/2010/main" val="1955394432"/>
+      </p:ext>
+    </p:extLst>
+  </p:cSld>
+  <p:clrMapOvr>
+    <a:masterClrMapping/>
+  </p:clrMapOvr>
+</p:sld>
+</file>
+
+<file path=ppt/slides/slide6.xml><?xml version="1.0" encoding="utf-8"?>
+<p:sld xmlns:a="http://schemas.openxmlformats.org/drawingml/2006/main" xmlns:r="http://schemas.openxmlformats.org/officeDocument/2006/relationships" xmlns:p="http://schemas.openxmlformats.org/presentationml/2006/main">
+  <p:cSld>
+    <p:spTree>
+      <p:nvGrpSpPr>
+        <p:cNvPr id="1" name=""/>
+        <p:cNvGrpSpPr/>
+        <p:nvPr/>
+      </p:nvGrpSpPr>
+      <p:grpSpPr>
+        <a:xfrm>
+          <a:off x="0" y="0"/>
+          <a:ext cx="0" cy="0"/>
+          <a:chOff x="0" y="0"/>
+          <a:chExt cx="0" cy="0"/>
+        </a:xfrm>
+      </p:grpSpPr>
+      <p:sp>
+        <p:nvSpPr>
+          <p:cNvPr id="2" name="Title 1">
+            <a:extLst>
+              <a:ext uri="{FF2B5EF4-FFF2-40B4-BE49-F238E27FC236}">
+                <a16:creationId xmlns:a16="http://schemas.microsoft.com/office/drawing/2014/main" id="{06C331F2-0D41-711E-7B90-7F8856051356}"/>
+              </a:ext>
+            </a:extLst>
+          </p:cNvPr>
+          <p:cNvSpPr>
+            <a:spLocks noGrp="1"/>
+          </p:cNvSpPr>
+          <p:nvPr>
+            <p:ph type="title"/>
+          </p:nvPr>
+        </p:nvSpPr>
+        <p:spPr/>
+        <p:txBody>
+          <a:bodyPr/>
+          <a:lstStyle/>
+          <a:p>
+            <a:endParaRPr lang="en-US"/>
+          </a:p>
+        </p:txBody>
+      </p:sp>
+      <p:sp>
+        <p:nvSpPr>
+          <p:cNvPr id="3" name="Content Placeholder 2">
+            <a:extLst>
+              <a:ext uri="{FF2B5EF4-FFF2-40B4-BE49-F238E27FC236}">
+                <a16:creationId xmlns:a16="http://schemas.microsoft.com/office/drawing/2014/main" id="{8DA3FBA4-F1FC-C660-D93C-0968035A2222}"/>
+              </a:ext>
+            </a:extLst>
+          </p:cNvPr>
+          <p:cNvSpPr>
+            <a:spLocks noGrp="1"/>
+          </p:cNvSpPr>
+          <p:nvPr>
+            <p:ph idx="1"/>
+          </p:nvPr>
+        </p:nvSpPr>
+        <p:spPr/>
+        <p:txBody>
+          <a:bodyPr/>
+          <a:lstStyle/>
+          <a:p>
+            <a:endParaRPr lang="en-US"/>
+          </a:p>
+        </p:txBody>
+      </p:sp>
+    </p:spTree>
+    <p:extLst>
+      <p:ext uri="{BB962C8B-B14F-4D97-AF65-F5344CB8AC3E}">
+        <p14:creationId xmlns:p14="http://schemas.microsoft.com/office/powerpoint/2010/main" val="3421110428"/>
       </p:ext>
     </p:extLst>
   </p:cSld>

--- a/Presentation2.pptx
+++ b/Presentation2.pptx
@@ -8,6 +8,9 @@
     <p:sldId id="258" r:id="rId2"/>
     <p:sldId id="259" r:id="rId3"/>
     <p:sldId id="260" r:id="rId4"/>
+    <p:sldId id="261" r:id="rId5"/>
+    <p:sldId id="262" r:id="rId6"/>
+    <p:sldId id="263" r:id="rId7"/>
   </p:sldIdLst>
   <p:sldSz cx="12192000" cy="6858000"/>
   <p:notesSz cx="6858000" cy="9144000"/>
@@ -3632,12 +3635,8 @@
           <a:lstStyle/>
           <a:p>
             <a:r>
-              <a:rPr lang="en-US"/>
-              <a:t>Hospitals </a:t>
-            </a:r>
-            <a:r>
               <a:rPr lang="en-US" dirty="0"/>
-              <a:t>need a reliable way to predict which discharged patients are at </a:t>
+              <a:t>Hospitals need a reliable way to predict which discharged patients are at </a:t>
             </a:r>
             <a:r>
               <a:rPr lang="en-US" b="1" dirty="0"/>
@@ -3665,6 +3664,479 @@
     <p:extLst>
       <p:ext uri="{BB962C8B-B14F-4D97-AF65-F5344CB8AC3E}">
         <p14:creationId xmlns:p14="http://schemas.microsoft.com/office/powerpoint/2010/main" val="2405532851"/>
+      </p:ext>
+    </p:extLst>
+  </p:cSld>
+  <p:clrMapOvr>
+    <a:masterClrMapping/>
+  </p:clrMapOvr>
+</p:sld>
+</file>
+
+<file path=ppt/slides/slide4.xml><?xml version="1.0" encoding="utf-8"?>
+<p:sld xmlns:a="http://schemas.openxmlformats.org/drawingml/2006/main" xmlns:r="http://schemas.openxmlformats.org/officeDocument/2006/relationships" xmlns:p="http://schemas.openxmlformats.org/presentationml/2006/main">
+  <p:cSld>
+    <p:spTree>
+      <p:nvGrpSpPr>
+        <p:cNvPr id="1" name=""/>
+        <p:cNvGrpSpPr/>
+        <p:nvPr/>
+      </p:nvGrpSpPr>
+      <p:grpSpPr>
+        <a:xfrm>
+          <a:off x="0" y="0"/>
+          <a:ext cx="0" cy="0"/>
+          <a:chOff x="0" y="0"/>
+          <a:chExt cx="0" cy="0"/>
+        </a:xfrm>
+      </p:grpSpPr>
+      <p:sp>
+        <p:nvSpPr>
+          <p:cNvPr id="2" name="Title 1">
+            <a:extLst>
+              <a:ext uri="{FF2B5EF4-FFF2-40B4-BE49-F238E27FC236}">
+                <a16:creationId xmlns:a16="http://schemas.microsoft.com/office/drawing/2014/main" id="{374EDD8F-9F14-079E-02DD-26DA9D1F1DD1}"/>
+              </a:ext>
+            </a:extLst>
+          </p:cNvPr>
+          <p:cNvSpPr>
+            <a:spLocks noGrp="1"/>
+          </p:cNvSpPr>
+          <p:nvPr>
+            <p:ph type="title"/>
+          </p:nvPr>
+        </p:nvSpPr>
+        <p:spPr/>
+        <p:txBody>
+          <a:bodyPr/>
+          <a:lstStyle/>
+          <a:p>
+            <a:r>
+              <a:rPr lang="en-US" dirty="0"/>
+              <a:t>                         Project Objectives</a:t>
+            </a:r>
+          </a:p>
+        </p:txBody>
+      </p:sp>
+      <p:sp>
+        <p:nvSpPr>
+          <p:cNvPr id="3" name="Content Placeholder 2">
+            <a:extLst>
+              <a:ext uri="{FF2B5EF4-FFF2-40B4-BE49-F238E27FC236}">
+                <a16:creationId xmlns:a16="http://schemas.microsoft.com/office/drawing/2014/main" id="{D05D1301-872D-F8CE-687A-7EA90E90EB3A}"/>
+              </a:ext>
+            </a:extLst>
+          </p:cNvPr>
+          <p:cNvSpPr>
+            <a:spLocks noGrp="1"/>
+          </p:cNvSpPr>
+          <p:nvPr>
+            <p:ph idx="1"/>
+          </p:nvPr>
+        </p:nvSpPr>
+        <p:spPr/>
+        <p:txBody>
+          <a:bodyPr>
+            <a:normAutofit fontScale="77500" lnSpcReduction="20000"/>
+          </a:bodyPr>
+          <a:lstStyle/>
+          <a:p>
+            <a:pPr>
+              <a:buNone/>
+            </a:pPr>
+            <a:endParaRPr lang="en-US" b="1" dirty="0"/>
+          </a:p>
+          <a:p>
+            <a:pPr>
+              <a:buNone/>
+            </a:pPr>
+            <a:r>
+              <a:rPr lang="en-US" b="1" dirty="0"/>
+              <a:t>1. Predict High-Risk Patients</a:t>
+            </a:r>
+          </a:p>
+          <a:p>
+            <a:pPr>
+              <a:buFont typeface="Arial" panose="020B0604020202020204" pitchFamily="34" charset="0"/>
+              <a:buChar char="•"/>
+            </a:pPr>
+            <a:r>
+              <a:rPr lang="en-US" dirty="0"/>
+              <a:t>Develop a machine learning model to </a:t>
+            </a:r>
+            <a:r>
+              <a:rPr lang="en-US" b="1" dirty="0"/>
+              <a:t>identify diabetic patients likely to be readmitted</a:t>
+            </a:r>
+            <a:r>
+              <a:rPr lang="en-US" dirty="0"/>
+              <a:t> within 30 days of discharge.</a:t>
+            </a:r>
+          </a:p>
+          <a:p>
+            <a:pPr>
+              <a:buFont typeface="Arial" panose="020B0604020202020204" pitchFamily="34" charset="0"/>
+              <a:buChar char="•"/>
+            </a:pPr>
+            <a:r>
+              <a:rPr lang="en-US" dirty="0"/>
+              <a:t>Enable hospitals to </a:t>
+            </a:r>
+            <a:r>
+              <a:rPr lang="en-US" b="1" dirty="0"/>
+              <a:t>proactively intervene</a:t>
+            </a:r>
+            <a:r>
+              <a:rPr lang="en-US" dirty="0"/>
+              <a:t> before readmission occurs.</a:t>
+            </a:r>
+          </a:p>
+          <a:p>
+            <a:pPr>
+              <a:buNone/>
+            </a:pPr>
+            <a:r>
+              <a:rPr lang="en-US" b="1" dirty="0"/>
+              <a:t>2. Reduce Healthcare Costs</a:t>
+            </a:r>
+          </a:p>
+          <a:p>
+            <a:pPr>
+              <a:buFont typeface="Arial" panose="020B0604020202020204" pitchFamily="34" charset="0"/>
+              <a:buChar char="•"/>
+            </a:pPr>
+            <a:r>
+              <a:rPr lang="en-US" dirty="0"/>
+              <a:t>Minimize </a:t>
+            </a:r>
+            <a:r>
+              <a:rPr lang="en-US" b="1" dirty="0"/>
+              <a:t>avoidable readmissions</a:t>
+            </a:r>
+            <a:r>
+              <a:rPr lang="en-US" dirty="0"/>
+              <a:t>, which are expensive for both hospitals and patients.</a:t>
+            </a:r>
+          </a:p>
+          <a:p>
+            <a:pPr>
+              <a:buFont typeface="Arial" panose="020B0604020202020204" pitchFamily="34" charset="0"/>
+              <a:buChar char="•"/>
+            </a:pPr>
+            <a:r>
+              <a:rPr lang="en-US" dirty="0"/>
+              <a:t>Optimize </a:t>
+            </a:r>
+            <a:r>
+              <a:rPr lang="en-US" b="1" dirty="0"/>
+              <a:t>resource allocation</a:t>
+            </a:r>
+            <a:r>
+              <a:rPr lang="en-US" dirty="0"/>
+              <a:t> (beds, staff, medications) to reduce waste and increase operational efficiency.</a:t>
+            </a:r>
+          </a:p>
+          <a:p>
+            <a:pPr>
+              <a:buNone/>
+            </a:pPr>
+            <a:r>
+              <a:rPr lang="en-US" b="1" dirty="0"/>
+              <a:t>3. Improve Patient Outcomes</a:t>
+            </a:r>
+          </a:p>
+          <a:p>
+            <a:pPr>
+              <a:buFont typeface="Arial" panose="020B0604020202020204" pitchFamily="34" charset="0"/>
+              <a:buChar char="•"/>
+            </a:pPr>
+            <a:r>
+              <a:rPr lang="en-US" dirty="0"/>
+              <a:t>Enhance the quality of care by targeting patients who need </a:t>
+            </a:r>
+            <a:r>
+              <a:rPr lang="en-US" b="1" dirty="0"/>
+              <a:t>closer follow-up, education, or additional support</a:t>
+            </a:r>
+            <a:r>
+              <a:rPr lang="en-US" dirty="0"/>
+              <a:t>.</a:t>
+            </a:r>
+          </a:p>
+          <a:p>
+            <a:pPr>
+              <a:buFont typeface="Arial" panose="020B0604020202020204" pitchFamily="34" charset="0"/>
+              <a:buChar char="•"/>
+            </a:pPr>
+            <a:r>
+              <a:rPr lang="en-US" dirty="0"/>
+              <a:t>Reduce complications, prevent deterioration, and improve patients’ overall quality of life.</a:t>
+            </a:r>
+          </a:p>
+          <a:p>
+            <a:endParaRPr lang="en-US" dirty="0"/>
+          </a:p>
+        </p:txBody>
+      </p:sp>
+    </p:spTree>
+    <p:extLst>
+      <p:ext uri="{BB962C8B-B14F-4D97-AF65-F5344CB8AC3E}">
+        <p14:creationId xmlns:p14="http://schemas.microsoft.com/office/powerpoint/2010/main" val="1490699574"/>
+      </p:ext>
+    </p:extLst>
+  </p:cSld>
+  <p:clrMapOvr>
+    <a:masterClrMapping/>
+  </p:clrMapOvr>
+</p:sld>
+</file>
+
+<file path=ppt/slides/slide5.xml><?xml version="1.0" encoding="utf-8"?>
+<p:sld xmlns:a="http://schemas.openxmlformats.org/drawingml/2006/main" xmlns:r="http://schemas.openxmlformats.org/officeDocument/2006/relationships" xmlns:p="http://schemas.openxmlformats.org/presentationml/2006/main">
+  <p:cSld>
+    <p:spTree>
+      <p:nvGrpSpPr>
+        <p:cNvPr id="1" name=""/>
+        <p:cNvGrpSpPr/>
+        <p:nvPr/>
+      </p:nvGrpSpPr>
+      <p:grpSpPr>
+        <a:xfrm>
+          <a:off x="0" y="0"/>
+          <a:ext cx="0" cy="0"/>
+          <a:chOff x="0" y="0"/>
+          <a:chExt cx="0" cy="0"/>
+        </a:xfrm>
+      </p:grpSpPr>
+      <p:sp>
+        <p:nvSpPr>
+          <p:cNvPr id="2" name="Title 1">
+            <a:extLst>
+              <a:ext uri="{FF2B5EF4-FFF2-40B4-BE49-F238E27FC236}">
+                <a16:creationId xmlns:a16="http://schemas.microsoft.com/office/drawing/2014/main" id="{BAE956C6-5C36-7245-2ABC-C569F83A4FDF}"/>
+              </a:ext>
+            </a:extLst>
+          </p:cNvPr>
+          <p:cNvSpPr>
+            <a:spLocks noGrp="1"/>
+          </p:cNvSpPr>
+          <p:nvPr>
+            <p:ph type="title"/>
+          </p:nvPr>
+        </p:nvSpPr>
+        <p:spPr/>
+        <p:txBody>
+          <a:bodyPr/>
+          <a:lstStyle/>
+          <a:p>
+            <a:r>
+              <a:rPr lang="en-US" dirty="0"/>
+              <a:t>                       Project Objectives</a:t>
+            </a:r>
+          </a:p>
+        </p:txBody>
+      </p:sp>
+      <p:sp>
+        <p:nvSpPr>
+          <p:cNvPr id="3" name="Content Placeholder 2">
+            <a:extLst>
+              <a:ext uri="{FF2B5EF4-FFF2-40B4-BE49-F238E27FC236}">
+                <a16:creationId xmlns:a16="http://schemas.microsoft.com/office/drawing/2014/main" id="{2B718B59-9E06-D051-0211-1B8FD85B9B07}"/>
+              </a:ext>
+            </a:extLst>
+          </p:cNvPr>
+          <p:cNvSpPr>
+            <a:spLocks noGrp="1"/>
+          </p:cNvSpPr>
+          <p:nvPr>
+            <p:ph idx="1"/>
+          </p:nvPr>
+        </p:nvSpPr>
+        <p:spPr/>
+        <p:txBody>
+          <a:bodyPr>
+            <a:normAutofit lnSpcReduction="10000"/>
+          </a:bodyPr>
+          <a:lstStyle/>
+          <a:p>
+            <a:pPr>
+              <a:buNone/>
+            </a:pPr>
+            <a:r>
+              <a:rPr lang="en-US" b="1" dirty="0"/>
+              <a:t>4. Support Data-Driven Clinical Decisions</a:t>
+            </a:r>
+          </a:p>
+          <a:p>
+            <a:pPr>
+              <a:buFont typeface="Arial" panose="020B0604020202020204" pitchFamily="34" charset="0"/>
+              <a:buChar char="•"/>
+            </a:pPr>
+            <a:r>
+              <a:rPr lang="en-US" dirty="0"/>
+              <a:t>Provide clinicians and hospital administrators with </a:t>
+            </a:r>
+            <a:r>
+              <a:rPr lang="en-US" b="1" dirty="0"/>
+              <a:t>interpretable insights</a:t>
+            </a:r>
+            <a:r>
+              <a:rPr lang="en-US" dirty="0"/>
+              <a:t> (e.g., risk factors, SHAP feature importance).</a:t>
+            </a:r>
+          </a:p>
+          <a:p>
+            <a:pPr>
+              <a:buFont typeface="Arial" panose="020B0604020202020204" pitchFamily="34" charset="0"/>
+              <a:buChar char="•"/>
+            </a:pPr>
+            <a:r>
+              <a:rPr lang="en-US" dirty="0"/>
+              <a:t>Help hospitals implement </a:t>
+            </a:r>
+            <a:r>
+              <a:rPr lang="en-US" b="1" dirty="0"/>
+              <a:t>evidence-based interventions</a:t>
+            </a:r>
+            <a:r>
+              <a:rPr lang="en-US" dirty="0"/>
+              <a:t> for patients at high readmission risk.</a:t>
+            </a:r>
+          </a:p>
+          <a:p>
+            <a:pPr>
+              <a:buNone/>
+            </a:pPr>
+            <a:r>
+              <a:rPr lang="en-US" b="1" dirty="0"/>
+              <a:t>5. Comply with Regulatory &amp; Performance Standards</a:t>
+            </a:r>
+          </a:p>
+          <a:p>
+            <a:pPr>
+              <a:buFont typeface="Arial" panose="020B0604020202020204" pitchFamily="34" charset="0"/>
+              <a:buChar char="•"/>
+            </a:pPr>
+            <a:r>
+              <a:rPr lang="en-US" dirty="0"/>
+              <a:t>Help hospitals meet </a:t>
+            </a:r>
+            <a:r>
+              <a:rPr lang="en-US" b="1" dirty="0"/>
+              <a:t>value-based care requirements</a:t>
+            </a:r>
+            <a:r>
+              <a:rPr lang="en-US" dirty="0"/>
+              <a:t> and avoid financial penalties due to excessive readmissions.</a:t>
+            </a:r>
+          </a:p>
+          <a:p>
+            <a:pPr>
+              <a:buFont typeface="Arial" panose="020B0604020202020204" pitchFamily="34" charset="0"/>
+              <a:buChar char="•"/>
+            </a:pPr>
+            <a:r>
+              <a:rPr lang="en-US" dirty="0"/>
+              <a:t>Improve hospital </a:t>
+            </a:r>
+            <a:r>
+              <a:rPr lang="en-US" b="1" dirty="0"/>
+              <a:t>performance metrics</a:t>
+            </a:r>
+            <a:r>
+              <a:rPr lang="en-US" dirty="0"/>
+              <a:t> and patient satisfaction scores.</a:t>
+            </a:r>
+          </a:p>
+          <a:p>
+            <a:endParaRPr lang="en-US" dirty="0"/>
+          </a:p>
+        </p:txBody>
+      </p:sp>
+    </p:spTree>
+    <p:extLst>
+      <p:ext uri="{BB962C8B-B14F-4D97-AF65-F5344CB8AC3E}">
+        <p14:creationId xmlns:p14="http://schemas.microsoft.com/office/powerpoint/2010/main" val="1955394432"/>
+      </p:ext>
+    </p:extLst>
+  </p:cSld>
+  <p:clrMapOvr>
+    <a:masterClrMapping/>
+  </p:clrMapOvr>
+</p:sld>
+</file>
+
+<file path=ppt/slides/slide6.xml><?xml version="1.0" encoding="utf-8"?>
+<p:sld xmlns:a="http://schemas.openxmlformats.org/drawingml/2006/main" xmlns:r="http://schemas.openxmlformats.org/officeDocument/2006/relationships" xmlns:p="http://schemas.openxmlformats.org/presentationml/2006/main">
+  <p:cSld>
+    <p:spTree>
+      <p:nvGrpSpPr>
+        <p:cNvPr id="1" name=""/>
+        <p:cNvGrpSpPr/>
+        <p:nvPr/>
+      </p:nvGrpSpPr>
+      <p:grpSpPr>
+        <a:xfrm>
+          <a:off x="0" y="0"/>
+          <a:ext cx="0" cy="0"/>
+          <a:chOff x="0" y="0"/>
+          <a:chExt cx="0" cy="0"/>
+        </a:xfrm>
+      </p:grpSpPr>
+      <p:sp>
+        <p:nvSpPr>
+          <p:cNvPr id="2" name="Title 1">
+            <a:extLst>
+              <a:ext uri="{FF2B5EF4-FFF2-40B4-BE49-F238E27FC236}">
+                <a16:creationId xmlns:a16="http://schemas.microsoft.com/office/drawing/2014/main" id="{06C331F2-0D41-711E-7B90-7F8856051356}"/>
+              </a:ext>
+            </a:extLst>
+          </p:cNvPr>
+          <p:cNvSpPr>
+            <a:spLocks noGrp="1"/>
+          </p:cNvSpPr>
+          <p:nvPr>
+            <p:ph type="title"/>
+          </p:nvPr>
+        </p:nvSpPr>
+        <p:spPr/>
+        <p:txBody>
+          <a:bodyPr/>
+          <a:lstStyle/>
+          <a:p>
+            <a:endParaRPr lang="en-US" dirty="0"/>
+          </a:p>
+        </p:txBody>
+      </p:sp>
+      <p:sp>
+        <p:nvSpPr>
+          <p:cNvPr id="3" name="Content Placeholder 2">
+            <a:extLst>
+              <a:ext uri="{FF2B5EF4-FFF2-40B4-BE49-F238E27FC236}">
+                <a16:creationId xmlns:a16="http://schemas.microsoft.com/office/drawing/2014/main" id="{8DA3FBA4-F1FC-C660-D93C-0968035A2222}"/>
+              </a:ext>
+            </a:extLst>
+          </p:cNvPr>
+          <p:cNvSpPr>
+            <a:spLocks noGrp="1"/>
+          </p:cNvSpPr>
+          <p:nvPr>
+            <p:ph idx="1"/>
+          </p:nvPr>
+        </p:nvSpPr>
+        <p:spPr/>
+        <p:txBody>
+          <a:bodyPr/>
+          <a:lstStyle/>
+          <a:p>
+            <a:endParaRPr lang="en-US" dirty="0"/>
+          </a:p>
+        </p:txBody>
+      </p:sp>
+    </p:spTree>
+    <p:extLst>
+      <p:ext uri="{BB962C8B-B14F-4D97-AF65-F5344CB8AC3E}">
+        <p14:creationId xmlns:p14="http://schemas.microsoft.com/office/powerpoint/2010/main" val="3421110428"/>
       </p:ext>
     </p:extLst>
   </p:cSld>

--- a/Presentation2.pptx
+++ b/Presentation2.pptx
@@ -4104,7 +4104,7 @@
           <a:bodyPr/>
           <a:lstStyle/>
           <a:p>
-            <a:endParaRPr lang="en-US"/>
+            <a:endParaRPr lang="en-US" dirty="0"/>
           </a:p>
         </p:txBody>
       </p:sp>
@@ -4129,7 +4129,7 @@
           <a:bodyPr/>
           <a:lstStyle/>
           <a:p>
-            <a:endParaRPr lang="en-US"/>
+            <a:endParaRPr lang="en-US" dirty="0"/>
           </a:p>
         </p:txBody>
       </p:sp>

--- a/Presentation2.pptx
+++ b/Presentation2.pptx
@@ -11,6 +11,18 @@
     <p:sldId id="261" r:id="rId5"/>
     <p:sldId id="262" r:id="rId6"/>
     <p:sldId id="263" r:id="rId7"/>
+    <p:sldId id="264" r:id="rId8"/>
+    <p:sldId id="265" r:id="rId9"/>
+    <p:sldId id="266" r:id="rId10"/>
+    <p:sldId id="267" r:id="rId11"/>
+    <p:sldId id="268" r:id="rId12"/>
+    <p:sldId id="269" r:id="rId13"/>
+    <p:sldId id="270" r:id="rId14"/>
+    <p:sldId id="272" r:id="rId15"/>
+    <p:sldId id="274" r:id="rId16"/>
+    <p:sldId id="275" r:id="rId17"/>
+    <p:sldId id="276" r:id="rId18"/>
+    <p:sldId id="277" r:id="rId19"/>
   </p:sldIdLst>
   <p:sldSz cx="12192000" cy="6858000"/>
   <p:notesSz cx="6858000" cy="9144000"/>
@@ -3353,15 +3365,15 @@
           <a:lstStyle/>
           <a:p>
             <a:r>
-              <a:rPr lang="en-US" dirty="0"/>
+              <a:rPr lang="en-US" b="1" dirty="0"/>
               <a:t>TITLE: Diabetes Treatment A </a:t>
             </a:r>
             <a:r>
-              <a:rPr lang="en-US" dirty="0" err="1"/>
+              <a:rPr lang="en-US" b="1" dirty="0" err="1"/>
               <a:t>nd</a:t>
             </a:r>
             <a:r>
-              <a:rPr lang="en-US" dirty="0"/>
+              <a:rPr lang="en-US" b="1" dirty="0"/>
               <a:t> Readmission Prediction</a:t>
             </a:r>
           </a:p>
@@ -3398,6 +3410,9 @@
               <a:rPr lang="en-US" dirty="0"/>
               <a:t>Date:</a:t>
             </a:r>
+          </a:p>
+          <a:p>
+            <a:endParaRPr lang="en-US" dirty="0"/>
           </a:p>
         </p:txBody>
       </p:sp>
@@ -3405,6 +3420,1068 @@
     <p:extLst>
       <p:ext uri="{BB962C8B-B14F-4D97-AF65-F5344CB8AC3E}">
         <p14:creationId xmlns:p14="http://schemas.microsoft.com/office/powerpoint/2010/main" val="3647700222"/>
+      </p:ext>
+    </p:extLst>
+  </p:cSld>
+  <p:clrMapOvr>
+    <a:masterClrMapping/>
+  </p:clrMapOvr>
+</p:sld>
+</file>
+
+<file path=ppt/slides/slide10.xml><?xml version="1.0" encoding="utf-8"?>
+<p:sld xmlns:a="http://schemas.openxmlformats.org/drawingml/2006/main" xmlns:r="http://schemas.openxmlformats.org/officeDocument/2006/relationships" xmlns:p="http://schemas.openxmlformats.org/presentationml/2006/main">
+  <p:cSld>
+    <p:spTree>
+      <p:nvGrpSpPr>
+        <p:cNvPr id="1" name=""/>
+        <p:cNvGrpSpPr/>
+        <p:nvPr/>
+      </p:nvGrpSpPr>
+      <p:grpSpPr>
+        <a:xfrm>
+          <a:off x="0" y="0"/>
+          <a:ext cx="0" cy="0"/>
+          <a:chOff x="0" y="0"/>
+          <a:chExt cx="0" cy="0"/>
+        </a:xfrm>
+      </p:grpSpPr>
+      <p:sp>
+        <p:nvSpPr>
+          <p:cNvPr id="2" name="Title 1">
+            <a:extLst>
+              <a:ext uri="{FF2B5EF4-FFF2-40B4-BE49-F238E27FC236}">
+                <a16:creationId xmlns:a16="http://schemas.microsoft.com/office/drawing/2014/main" id="{E8F8856B-8CE7-0F78-21DA-8D4EEE8D1D38}"/>
+              </a:ext>
+            </a:extLst>
+          </p:cNvPr>
+          <p:cNvSpPr>
+            <a:spLocks noGrp="1"/>
+          </p:cNvSpPr>
+          <p:nvPr>
+            <p:ph type="title"/>
+          </p:nvPr>
+        </p:nvSpPr>
+        <p:spPr/>
+        <p:txBody>
+          <a:bodyPr/>
+          <a:lstStyle/>
+          <a:p>
+            <a:r>
+              <a:rPr lang="en-US" dirty="0"/>
+              <a:t>                       </a:t>
+            </a:r>
+            <a:r>
+              <a:rPr lang="en-US" b="1" dirty="0"/>
+              <a:t>Data Understanding</a:t>
+            </a:r>
+            <a:br>
+              <a:rPr lang="en-US" dirty="0"/>
+            </a:br>
+            <a:r>
+              <a:rPr lang="en-US" dirty="0"/>
+              <a:t>             (Readmitted Based On Gender)</a:t>
+            </a:r>
+          </a:p>
+        </p:txBody>
+      </p:sp>
+      <p:pic>
+        <p:nvPicPr>
+          <p:cNvPr id="5" name="Content Placeholder 4">
+            <a:extLst>
+              <a:ext uri="{FF2B5EF4-FFF2-40B4-BE49-F238E27FC236}">
+                <a16:creationId xmlns:a16="http://schemas.microsoft.com/office/drawing/2014/main" id="{C478BE40-025E-A705-8183-5ACFCDFECF59}"/>
+              </a:ext>
+            </a:extLst>
+          </p:cNvPr>
+          <p:cNvPicPr>
+            <a:picLocks noGrp="1" noChangeAspect="1"/>
+          </p:cNvPicPr>
+          <p:nvPr>
+            <p:ph idx="1"/>
+          </p:nvPr>
+        </p:nvPicPr>
+        <p:blipFill>
+          <a:blip r:embed="rId2"/>
+          <a:stretch>
+            <a:fillRect/>
+          </a:stretch>
+        </p:blipFill>
+        <p:spPr>
+          <a:xfrm>
+            <a:off x="3895418" y="2162712"/>
+            <a:ext cx="4401164" cy="3677163"/>
+          </a:xfrm>
+        </p:spPr>
+      </p:pic>
+    </p:spTree>
+    <p:extLst>
+      <p:ext uri="{BB962C8B-B14F-4D97-AF65-F5344CB8AC3E}">
+        <p14:creationId xmlns:p14="http://schemas.microsoft.com/office/powerpoint/2010/main" val="2438530391"/>
+      </p:ext>
+    </p:extLst>
+  </p:cSld>
+  <p:clrMapOvr>
+    <a:masterClrMapping/>
+  </p:clrMapOvr>
+</p:sld>
+</file>
+
+<file path=ppt/slides/slide11.xml><?xml version="1.0" encoding="utf-8"?>
+<p:sld xmlns:a="http://schemas.openxmlformats.org/drawingml/2006/main" xmlns:r="http://schemas.openxmlformats.org/officeDocument/2006/relationships" xmlns:p="http://schemas.openxmlformats.org/presentationml/2006/main">
+  <p:cSld>
+    <p:spTree>
+      <p:nvGrpSpPr>
+        <p:cNvPr id="1" name=""/>
+        <p:cNvGrpSpPr/>
+        <p:nvPr/>
+      </p:nvGrpSpPr>
+      <p:grpSpPr>
+        <a:xfrm>
+          <a:off x="0" y="0"/>
+          <a:ext cx="0" cy="0"/>
+          <a:chOff x="0" y="0"/>
+          <a:chExt cx="0" cy="0"/>
+        </a:xfrm>
+      </p:grpSpPr>
+      <p:sp>
+        <p:nvSpPr>
+          <p:cNvPr id="2" name="Title 1">
+            <a:extLst>
+              <a:ext uri="{FF2B5EF4-FFF2-40B4-BE49-F238E27FC236}">
+                <a16:creationId xmlns:a16="http://schemas.microsoft.com/office/drawing/2014/main" id="{799ADB6F-DF2B-B3F1-B2CD-EB40BE9144BD}"/>
+              </a:ext>
+            </a:extLst>
+          </p:cNvPr>
+          <p:cNvSpPr>
+            <a:spLocks noGrp="1"/>
+          </p:cNvSpPr>
+          <p:nvPr>
+            <p:ph type="title"/>
+          </p:nvPr>
+        </p:nvSpPr>
+        <p:spPr/>
+        <p:txBody>
+          <a:bodyPr>
+            <a:normAutofit fontScale="90000"/>
+          </a:bodyPr>
+          <a:lstStyle/>
+          <a:p>
+            <a:r>
+              <a:rPr lang="en-US" dirty="0"/>
+              <a:t>                         </a:t>
+            </a:r>
+            <a:r>
+              <a:rPr lang="en-US" b="1" dirty="0"/>
+              <a:t>Data Understanding</a:t>
+            </a:r>
+            <a:br>
+              <a:rPr lang="en-US" dirty="0"/>
+            </a:br>
+            <a:r>
+              <a:rPr lang="en-US" dirty="0"/>
+              <a:t>     (Readmitted Based On Gender Explanation)</a:t>
+            </a:r>
+          </a:p>
+        </p:txBody>
+      </p:sp>
+      <p:sp>
+        <p:nvSpPr>
+          <p:cNvPr id="3" name="Content Placeholder 2">
+            <a:extLst>
+              <a:ext uri="{FF2B5EF4-FFF2-40B4-BE49-F238E27FC236}">
+                <a16:creationId xmlns:a16="http://schemas.microsoft.com/office/drawing/2014/main" id="{B77117A4-5E99-6BD9-8975-3F127AB61771}"/>
+              </a:ext>
+            </a:extLst>
+          </p:cNvPr>
+          <p:cNvSpPr>
+            <a:spLocks noGrp="1"/>
+          </p:cNvSpPr>
+          <p:nvPr>
+            <p:ph idx="1"/>
+          </p:nvPr>
+        </p:nvSpPr>
+        <p:spPr/>
+        <p:txBody>
+          <a:bodyPr/>
+          <a:lstStyle/>
+          <a:p>
+            <a:r>
+              <a:rPr lang="en-US" dirty="0"/>
+              <a:t>There is </a:t>
+            </a:r>
+            <a:r>
+              <a:rPr lang="en-US" b="1" dirty="0"/>
+              <a:t>no strong difference</a:t>
+            </a:r>
+            <a:r>
+              <a:rPr lang="en-US" dirty="0"/>
+              <a:t> in readmission rates between </a:t>
+            </a:r>
+            <a:r>
+              <a:rPr lang="en-US" b="1" dirty="0"/>
+              <a:t>males and females</a:t>
+            </a:r>
+            <a:r>
+              <a:rPr lang="en-US" dirty="0"/>
+              <a:t>. Gender alone doesn’t appear to be a major driver of readmissions, so our focus should remain on other, stronger predictors.</a:t>
+            </a:r>
+          </a:p>
+        </p:txBody>
+      </p:sp>
+    </p:spTree>
+    <p:extLst>
+      <p:ext uri="{BB962C8B-B14F-4D97-AF65-F5344CB8AC3E}">
+        <p14:creationId xmlns:p14="http://schemas.microsoft.com/office/powerpoint/2010/main" val="3600690269"/>
+      </p:ext>
+    </p:extLst>
+  </p:cSld>
+  <p:clrMapOvr>
+    <a:masterClrMapping/>
+  </p:clrMapOvr>
+</p:sld>
+</file>
+
+<file path=ppt/slides/slide12.xml><?xml version="1.0" encoding="utf-8"?>
+<p:sld xmlns:a="http://schemas.openxmlformats.org/drawingml/2006/main" xmlns:r="http://schemas.openxmlformats.org/officeDocument/2006/relationships" xmlns:p="http://schemas.openxmlformats.org/presentationml/2006/main">
+  <p:cSld>
+    <p:spTree>
+      <p:nvGrpSpPr>
+        <p:cNvPr id="1" name=""/>
+        <p:cNvGrpSpPr/>
+        <p:nvPr/>
+      </p:nvGrpSpPr>
+      <p:grpSpPr>
+        <a:xfrm>
+          <a:off x="0" y="0"/>
+          <a:ext cx="0" cy="0"/>
+          <a:chOff x="0" y="0"/>
+          <a:chExt cx="0" cy="0"/>
+        </a:xfrm>
+      </p:grpSpPr>
+      <p:sp>
+        <p:nvSpPr>
+          <p:cNvPr id="2" name="Title 1">
+            <a:extLst>
+              <a:ext uri="{FF2B5EF4-FFF2-40B4-BE49-F238E27FC236}">
+                <a16:creationId xmlns:a16="http://schemas.microsoft.com/office/drawing/2014/main" id="{790461F6-46C1-35F3-E4EC-C50108FED45A}"/>
+              </a:ext>
+            </a:extLst>
+          </p:cNvPr>
+          <p:cNvSpPr>
+            <a:spLocks noGrp="1"/>
+          </p:cNvSpPr>
+          <p:nvPr>
+            <p:ph type="title"/>
+          </p:nvPr>
+        </p:nvSpPr>
+        <p:spPr/>
+        <p:txBody>
+          <a:bodyPr/>
+          <a:lstStyle/>
+          <a:p>
+            <a:r>
+              <a:rPr lang="en-US" dirty="0"/>
+              <a:t>                    </a:t>
+            </a:r>
+            <a:r>
+              <a:rPr lang="en-US" b="1" dirty="0"/>
+              <a:t>Data Understanding</a:t>
+            </a:r>
+            <a:br>
+              <a:rPr lang="en-US" dirty="0"/>
+            </a:br>
+            <a:r>
+              <a:rPr lang="en-US" dirty="0"/>
+              <a:t>             (Top 10 Diagnosed Categories)</a:t>
+            </a:r>
+          </a:p>
+        </p:txBody>
+      </p:sp>
+      <p:pic>
+        <p:nvPicPr>
+          <p:cNvPr id="5" name="Content Placeholder 4">
+            <a:extLst>
+              <a:ext uri="{FF2B5EF4-FFF2-40B4-BE49-F238E27FC236}">
+                <a16:creationId xmlns:a16="http://schemas.microsoft.com/office/drawing/2014/main" id="{5D3C1ECD-1776-F634-9FB8-42E4BE20E507}"/>
+              </a:ext>
+            </a:extLst>
+          </p:cNvPr>
+          <p:cNvPicPr>
+            <a:picLocks noGrp="1" noChangeAspect="1"/>
+          </p:cNvPicPr>
+          <p:nvPr>
+            <p:ph idx="1"/>
+          </p:nvPr>
+        </p:nvPicPr>
+        <p:blipFill>
+          <a:blip r:embed="rId2"/>
+          <a:stretch>
+            <a:fillRect/>
+          </a:stretch>
+        </p:blipFill>
+        <p:spPr>
+          <a:xfrm>
+            <a:off x="2870008" y="1825625"/>
+            <a:ext cx="6451984" cy="4351338"/>
+          </a:xfrm>
+        </p:spPr>
+      </p:pic>
+    </p:spTree>
+    <p:extLst>
+      <p:ext uri="{BB962C8B-B14F-4D97-AF65-F5344CB8AC3E}">
+        <p14:creationId xmlns:p14="http://schemas.microsoft.com/office/powerpoint/2010/main" val="3348471284"/>
+      </p:ext>
+    </p:extLst>
+  </p:cSld>
+  <p:clrMapOvr>
+    <a:masterClrMapping/>
+  </p:clrMapOvr>
+</p:sld>
+</file>
+
+<file path=ppt/slides/slide13.xml><?xml version="1.0" encoding="utf-8"?>
+<p:sld xmlns:a="http://schemas.openxmlformats.org/drawingml/2006/main" xmlns:r="http://schemas.openxmlformats.org/officeDocument/2006/relationships" xmlns:p="http://schemas.openxmlformats.org/presentationml/2006/main">
+  <p:cSld>
+    <p:spTree>
+      <p:nvGrpSpPr>
+        <p:cNvPr id="1" name=""/>
+        <p:cNvGrpSpPr/>
+        <p:nvPr/>
+      </p:nvGrpSpPr>
+      <p:grpSpPr>
+        <a:xfrm>
+          <a:off x="0" y="0"/>
+          <a:ext cx="0" cy="0"/>
+          <a:chOff x="0" y="0"/>
+          <a:chExt cx="0" cy="0"/>
+        </a:xfrm>
+      </p:grpSpPr>
+      <p:sp>
+        <p:nvSpPr>
+          <p:cNvPr id="2" name="Title 1">
+            <a:extLst>
+              <a:ext uri="{FF2B5EF4-FFF2-40B4-BE49-F238E27FC236}">
+                <a16:creationId xmlns:a16="http://schemas.microsoft.com/office/drawing/2014/main" id="{0696EBF3-B6C9-91AC-0E15-BB2D956E84B3}"/>
+              </a:ext>
+            </a:extLst>
+          </p:cNvPr>
+          <p:cNvSpPr>
+            <a:spLocks noGrp="1"/>
+          </p:cNvSpPr>
+          <p:nvPr>
+            <p:ph type="title"/>
+          </p:nvPr>
+        </p:nvSpPr>
+        <p:spPr/>
+        <p:txBody>
+          <a:bodyPr/>
+          <a:lstStyle/>
+          <a:p>
+            <a:r>
+              <a:rPr kumimoji="0" lang="en-US" sz="4400" b="1" i="0" u="none" strike="noStrike" kern="1200" cap="none" spc="0" normalizeH="0" baseline="0" noProof="0" dirty="0">
+                <a:ln>
+                  <a:noFill/>
+                </a:ln>
+                <a:solidFill>
+                  <a:prstClr val="black"/>
+                </a:solidFill>
+                <a:effectLst/>
+                <a:uLnTx/>
+                <a:uFillTx/>
+                <a:latin typeface="Calibri Light" panose="020F0302020204030204"/>
+                <a:ea typeface="+mj-ea"/>
+                <a:cs typeface="+mj-cs"/>
+              </a:rPr>
+              <a:t>Data Understanding</a:t>
+            </a:r>
+            <a:r>
+              <a:rPr lang="en-US" dirty="0"/>
+              <a:t> (Top 10 Diagnosed Categories Explanation)</a:t>
+            </a:r>
+            <a:endParaRPr lang="en-US" b="1" dirty="0"/>
+          </a:p>
+        </p:txBody>
+      </p:sp>
+      <p:sp>
+        <p:nvSpPr>
+          <p:cNvPr id="3" name="Content Placeholder 2">
+            <a:extLst>
+              <a:ext uri="{FF2B5EF4-FFF2-40B4-BE49-F238E27FC236}">
+                <a16:creationId xmlns:a16="http://schemas.microsoft.com/office/drawing/2014/main" id="{C1B9D861-A496-13DF-A3AB-BA965F6524A2}"/>
+              </a:ext>
+            </a:extLst>
+          </p:cNvPr>
+          <p:cNvSpPr>
+            <a:spLocks noGrp="1"/>
+          </p:cNvSpPr>
+          <p:nvPr>
+            <p:ph idx="1"/>
+          </p:nvPr>
+        </p:nvSpPr>
+        <p:spPr/>
+        <p:txBody>
+          <a:bodyPr/>
+          <a:lstStyle/>
+          <a:p>
+            <a:r>
+              <a:rPr lang="en-US" dirty="0"/>
+              <a:t>A few </a:t>
+            </a:r>
+            <a:r>
+              <a:rPr lang="en-US" b="1" dirty="0"/>
+              <a:t>diagnosis categories</a:t>
+            </a:r>
+            <a:r>
+              <a:rPr lang="en-US" dirty="0"/>
+              <a:t> (like diabetes complications, circulatory issues, or respiratory diseases) account for a </a:t>
+            </a:r>
+            <a:r>
+              <a:rPr lang="en-US" b="1" dirty="0"/>
+              <a:t>large share of readmissions</a:t>
+            </a:r>
+            <a:r>
+              <a:rPr lang="en-US" dirty="0"/>
+              <a:t>. This tells us certain conditions are </a:t>
+            </a:r>
+            <a:r>
+              <a:rPr lang="en-US" b="1" dirty="0"/>
+              <a:t>riskier</a:t>
+            </a:r>
+            <a:r>
+              <a:rPr lang="en-US" dirty="0"/>
+              <a:t> and may need </a:t>
+            </a:r>
+            <a:r>
+              <a:rPr lang="en-US" b="1" dirty="0"/>
+              <a:t>closer follow-up care</a:t>
+            </a:r>
+            <a:r>
+              <a:rPr lang="en-US" dirty="0"/>
+              <a:t> to prevent patients from returning.</a:t>
+            </a:r>
+          </a:p>
+        </p:txBody>
+      </p:sp>
+    </p:spTree>
+    <p:extLst>
+      <p:ext uri="{BB962C8B-B14F-4D97-AF65-F5344CB8AC3E}">
+        <p14:creationId xmlns:p14="http://schemas.microsoft.com/office/powerpoint/2010/main" val="3551218915"/>
+      </p:ext>
+    </p:extLst>
+  </p:cSld>
+  <p:clrMapOvr>
+    <a:masterClrMapping/>
+  </p:clrMapOvr>
+</p:sld>
+</file>
+
+<file path=ppt/slides/slide14.xml><?xml version="1.0" encoding="utf-8"?>
+<p:sld xmlns:a="http://schemas.openxmlformats.org/drawingml/2006/main" xmlns:r="http://schemas.openxmlformats.org/officeDocument/2006/relationships" xmlns:p="http://schemas.openxmlformats.org/presentationml/2006/main">
+  <p:cSld>
+    <p:spTree>
+      <p:nvGrpSpPr>
+        <p:cNvPr id="1" name=""/>
+        <p:cNvGrpSpPr/>
+        <p:nvPr/>
+      </p:nvGrpSpPr>
+      <p:grpSpPr>
+        <a:xfrm>
+          <a:off x="0" y="0"/>
+          <a:ext cx="0" cy="0"/>
+          <a:chOff x="0" y="0"/>
+          <a:chExt cx="0" cy="0"/>
+        </a:xfrm>
+      </p:grpSpPr>
+      <p:sp>
+        <p:nvSpPr>
+          <p:cNvPr id="2" name="Title 1">
+            <a:extLst>
+              <a:ext uri="{FF2B5EF4-FFF2-40B4-BE49-F238E27FC236}">
+                <a16:creationId xmlns:a16="http://schemas.microsoft.com/office/drawing/2014/main" id="{7383CF8A-7B03-2130-5D1A-F840814E8968}"/>
+              </a:ext>
+            </a:extLst>
+          </p:cNvPr>
+          <p:cNvSpPr>
+            <a:spLocks noGrp="1"/>
+          </p:cNvSpPr>
+          <p:nvPr>
+            <p:ph type="title"/>
+          </p:nvPr>
+        </p:nvSpPr>
+        <p:spPr/>
+        <p:txBody>
+          <a:bodyPr/>
+          <a:lstStyle/>
+          <a:p>
+            <a:r>
+              <a:rPr lang="en-US" dirty="0"/>
+              <a:t>  </a:t>
+            </a:r>
+            <a:r>
+              <a:rPr lang="en-US" b="1" dirty="0"/>
+              <a:t>Data Analysis-Machine Learning findings.</a:t>
+            </a:r>
+          </a:p>
+        </p:txBody>
+      </p:sp>
+      <p:sp>
+        <p:nvSpPr>
+          <p:cNvPr id="3" name="Content Placeholder 2">
+            <a:extLst>
+              <a:ext uri="{FF2B5EF4-FFF2-40B4-BE49-F238E27FC236}">
+                <a16:creationId xmlns:a16="http://schemas.microsoft.com/office/drawing/2014/main" id="{55B66CE9-F97C-248C-28D9-C892F806BE02}"/>
+              </a:ext>
+            </a:extLst>
+          </p:cNvPr>
+          <p:cNvSpPr>
+            <a:spLocks noGrp="1"/>
+          </p:cNvSpPr>
+          <p:nvPr>
+            <p:ph idx="1"/>
+          </p:nvPr>
+        </p:nvSpPr>
+        <p:spPr/>
+        <p:txBody>
+          <a:bodyPr>
+            <a:normAutofit/>
+          </a:bodyPr>
+          <a:lstStyle/>
+          <a:p>
+            <a:pPr marL="0" indent="0">
+              <a:buNone/>
+            </a:pPr>
+            <a:endParaRPr lang="en-US" dirty="0"/>
+          </a:p>
+          <a:p>
+            <a:r>
+              <a:rPr lang="en-US" dirty="0"/>
+              <a:t>We used patient data (age, gender, test results, medications, prior visits) to understand factors linked to hospital readmissions.</a:t>
+            </a:r>
+          </a:p>
+          <a:p>
+            <a:r>
+              <a:rPr lang="en-US" dirty="0"/>
+              <a:t>Machine learning was applied to find patterns and predict which patients are most likely to be readmitted within 30 days.</a:t>
+            </a:r>
+          </a:p>
+          <a:p>
+            <a:r>
+              <a:rPr lang="en-US" dirty="0"/>
+              <a:t>The goal is to support hospital staff with early warnings so they can give extra care to high-risk patients.</a:t>
+            </a:r>
+          </a:p>
+        </p:txBody>
+      </p:sp>
+    </p:spTree>
+    <p:extLst>
+      <p:ext uri="{BB962C8B-B14F-4D97-AF65-F5344CB8AC3E}">
+        <p14:creationId xmlns:p14="http://schemas.microsoft.com/office/powerpoint/2010/main" val="2166087450"/>
+      </p:ext>
+    </p:extLst>
+  </p:cSld>
+  <p:clrMapOvr>
+    <a:masterClrMapping/>
+  </p:clrMapOvr>
+</p:sld>
+</file>
+
+<file path=ppt/slides/slide15.xml><?xml version="1.0" encoding="utf-8"?>
+<p:sld xmlns:a="http://schemas.openxmlformats.org/drawingml/2006/main" xmlns:r="http://schemas.openxmlformats.org/officeDocument/2006/relationships" xmlns:p="http://schemas.openxmlformats.org/presentationml/2006/main">
+  <p:cSld>
+    <p:spTree>
+      <p:nvGrpSpPr>
+        <p:cNvPr id="1" name=""/>
+        <p:cNvGrpSpPr/>
+        <p:nvPr/>
+      </p:nvGrpSpPr>
+      <p:grpSpPr>
+        <a:xfrm>
+          <a:off x="0" y="0"/>
+          <a:ext cx="0" cy="0"/>
+          <a:chOff x="0" y="0"/>
+          <a:chExt cx="0" cy="0"/>
+        </a:xfrm>
+      </p:grpSpPr>
+      <p:sp>
+        <p:nvSpPr>
+          <p:cNvPr id="2" name="Title 1">
+            <a:extLst>
+              <a:ext uri="{FF2B5EF4-FFF2-40B4-BE49-F238E27FC236}">
+                <a16:creationId xmlns:a16="http://schemas.microsoft.com/office/drawing/2014/main" id="{CF2F28AA-76E3-10B7-130B-C2D95659CEF9}"/>
+              </a:ext>
+            </a:extLst>
+          </p:cNvPr>
+          <p:cNvSpPr>
+            <a:spLocks noGrp="1"/>
+          </p:cNvSpPr>
+          <p:nvPr>
+            <p:ph type="title"/>
+          </p:nvPr>
+        </p:nvSpPr>
+        <p:spPr/>
+        <p:txBody>
+          <a:bodyPr/>
+          <a:lstStyle/>
+          <a:p>
+            <a:r>
+              <a:rPr lang="en-US" b="1" dirty="0"/>
+              <a:t>What model Does</a:t>
+            </a:r>
+          </a:p>
+        </p:txBody>
+      </p:sp>
+      <p:sp>
+        <p:nvSpPr>
+          <p:cNvPr id="3" name="Content Placeholder 2">
+            <a:extLst>
+              <a:ext uri="{FF2B5EF4-FFF2-40B4-BE49-F238E27FC236}">
+                <a16:creationId xmlns:a16="http://schemas.microsoft.com/office/drawing/2014/main" id="{C21A738A-ED75-FC52-410B-1B537C48CEC2}"/>
+              </a:ext>
+            </a:extLst>
+          </p:cNvPr>
+          <p:cNvSpPr>
+            <a:spLocks noGrp="1"/>
+          </p:cNvSpPr>
+          <p:nvPr>
+            <p:ph idx="1"/>
+          </p:nvPr>
+        </p:nvSpPr>
+        <p:spPr/>
+        <p:txBody>
+          <a:bodyPr/>
+          <a:lstStyle/>
+          <a:p>
+            <a:r>
+              <a:rPr lang="en-US" dirty="0"/>
+              <a:t>Predicts whether a patient is likely to be readmitted within 30 days.</a:t>
+            </a:r>
+          </a:p>
+          <a:p>
+            <a:r>
+              <a:rPr lang="en-US" dirty="0"/>
+              <a:t>Works like a “risk flag” system to guide doctors and nurses.</a:t>
+            </a:r>
+          </a:p>
+          <a:p>
+            <a:r>
+              <a:rPr lang="en-US" dirty="0"/>
+              <a:t>Think of it as an </a:t>
+            </a:r>
+            <a:r>
+              <a:rPr lang="en-US" b="1" dirty="0"/>
+              <a:t>extra set of eyes</a:t>
+            </a:r>
+            <a:r>
+              <a:rPr lang="en-US" dirty="0"/>
+              <a:t> that helps spot high-risk patients earlier.</a:t>
+            </a:r>
+          </a:p>
+        </p:txBody>
+      </p:sp>
+    </p:spTree>
+    <p:extLst>
+      <p:ext uri="{BB962C8B-B14F-4D97-AF65-F5344CB8AC3E}">
+        <p14:creationId xmlns:p14="http://schemas.microsoft.com/office/powerpoint/2010/main" val="3066069671"/>
+      </p:ext>
+    </p:extLst>
+  </p:cSld>
+  <p:clrMapOvr>
+    <a:masterClrMapping/>
+  </p:clrMapOvr>
+</p:sld>
+</file>
+
+<file path=ppt/slides/slide16.xml><?xml version="1.0" encoding="utf-8"?>
+<p:sld xmlns:a="http://schemas.openxmlformats.org/drawingml/2006/main" xmlns:r="http://schemas.openxmlformats.org/officeDocument/2006/relationships" xmlns:p="http://schemas.openxmlformats.org/presentationml/2006/main">
+  <p:cSld>
+    <p:spTree>
+      <p:nvGrpSpPr>
+        <p:cNvPr id="1" name=""/>
+        <p:cNvGrpSpPr/>
+        <p:nvPr/>
+      </p:nvGrpSpPr>
+      <p:grpSpPr>
+        <a:xfrm>
+          <a:off x="0" y="0"/>
+          <a:ext cx="0" cy="0"/>
+          <a:chOff x="0" y="0"/>
+          <a:chExt cx="0" cy="0"/>
+        </a:xfrm>
+      </p:grpSpPr>
+      <p:sp>
+        <p:nvSpPr>
+          <p:cNvPr id="2" name="Title 1">
+            <a:extLst>
+              <a:ext uri="{FF2B5EF4-FFF2-40B4-BE49-F238E27FC236}">
+                <a16:creationId xmlns:a16="http://schemas.microsoft.com/office/drawing/2014/main" id="{1714B163-5DC8-736C-39B8-948E6884DD1B}"/>
+              </a:ext>
+            </a:extLst>
+          </p:cNvPr>
+          <p:cNvSpPr>
+            <a:spLocks noGrp="1"/>
+          </p:cNvSpPr>
+          <p:nvPr>
+            <p:ph type="title"/>
+          </p:nvPr>
+        </p:nvSpPr>
+        <p:spPr/>
+        <p:txBody>
+          <a:bodyPr/>
+          <a:lstStyle/>
+          <a:p>
+            <a:r>
+              <a:rPr lang="en-US" b="1" dirty="0"/>
+              <a:t>Key Findings</a:t>
+            </a:r>
+          </a:p>
+        </p:txBody>
+      </p:sp>
+      <p:sp>
+        <p:nvSpPr>
+          <p:cNvPr id="3" name="Content Placeholder 2">
+            <a:extLst>
+              <a:ext uri="{FF2B5EF4-FFF2-40B4-BE49-F238E27FC236}">
+                <a16:creationId xmlns:a16="http://schemas.microsoft.com/office/drawing/2014/main" id="{EEA4FF00-EA79-D182-20AF-4555C4E39DDA}"/>
+              </a:ext>
+            </a:extLst>
+          </p:cNvPr>
+          <p:cNvSpPr>
+            <a:spLocks noGrp="1"/>
+          </p:cNvSpPr>
+          <p:nvPr>
+            <p:ph idx="1"/>
+          </p:nvPr>
+        </p:nvSpPr>
+        <p:spPr/>
+        <p:txBody>
+          <a:bodyPr/>
+          <a:lstStyle/>
+          <a:p>
+            <a:r>
+              <a:rPr lang="en-US" dirty="0"/>
+              <a:t>The model achieves </a:t>
+            </a:r>
+            <a:r>
+              <a:rPr lang="en-US" b="1" dirty="0"/>
+              <a:t>approximately 88% overall accuracy</a:t>
+            </a:r>
+            <a:r>
+              <a:rPr lang="en-US" dirty="0"/>
+              <a:t>, meaning it predicts correctly for about 9 out of 10 patients.</a:t>
+            </a:r>
+          </a:p>
+          <a:p>
+            <a:r>
+              <a:rPr lang="en-US" dirty="0"/>
+              <a:t>However, </a:t>
+            </a:r>
+            <a:r>
+              <a:rPr lang="en-US" b="1" dirty="0"/>
+              <a:t>recall for high-risk (readmitted) patients is very low (&lt;5%)</a:t>
+            </a:r>
+            <a:r>
+              <a:rPr lang="en-US" dirty="0"/>
+              <a:t>, meaning most true readmissions are missed.</a:t>
+            </a:r>
+          </a:p>
+          <a:p>
+            <a:r>
+              <a:rPr lang="en-US" dirty="0"/>
+              <a:t>This shows the model is </a:t>
+            </a:r>
+            <a:r>
+              <a:rPr lang="en-US" b="1" dirty="0"/>
+              <a:t>good at predicting non-readmissions</a:t>
+            </a:r>
+            <a:r>
+              <a:rPr lang="en-US" dirty="0"/>
+              <a:t>, but </a:t>
+            </a:r>
+            <a:r>
+              <a:rPr lang="en-US" b="1" dirty="0"/>
+              <a:t>poor at catching actual high-risk patients</a:t>
+            </a:r>
+            <a:r>
+              <a:rPr lang="en-US" dirty="0"/>
+              <a:t> — a critical gap in healthcare settings.</a:t>
+            </a:r>
+          </a:p>
+        </p:txBody>
+      </p:sp>
+    </p:spTree>
+    <p:extLst>
+      <p:ext uri="{BB962C8B-B14F-4D97-AF65-F5344CB8AC3E}">
+        <p14:creationId xmlns:p14="http://schemas.microsoft.com/office/powerpoint/2010/main" val="304238401"/>
+      </p:ext>
+    </p:extLst>
+  </p:cSld>
+  <p:clrMapOvr>
+    <a:masterClrMapping/>
+  </p:clrMapOvr>
+</p:sld>
+</file>
+
+<file path=ppt/slides/slide17.xml><?xml version="1.0" encoding="utf-8"?>
+<p:sld xmlns:a="http://schemas.openxmlformats.org/drawingml/2006/main" xmlns:r="http://schemas.openxmlformats.org/officeDocument/2006/relationships" xmlns:p="http://schemas.openxmlformats.org/presentationml/2006/main">
+  <p:cSld>
+    <p:spTree>
+      <p:nvGrpSpPr>
+        <p:cNvPr id="1" name=""/>
+        <p:cNvGrpSpPr/>
+        <p:nvPr/>
+      </p:nvGrpSpPr>
+      <p:grpSpPr>
+        <a:xfrm>
+          <a:off x="0" y="0"/>
+          <a:ext cx="0" cy="0"/>
+          <a:chOff x="0" y="0"/>
+          <a:chExt cx="0" cy="0"/>
+        </a:xfrm>
+      </p:grpSpPr>
+      <p:sp>
+        <p:nvSpPr>
+          <p:cNvPr id="2" name="Title 1">
+            <a:extLst>
+              <a:ext uri="{FF2B5EF4-FFF2-40B4-BE49-F238E27FC236}">
+                <a16:creationId xmlns:a16="http://schemas.microsoft.com/office/drawing/2014/main" id="{19D7E8D7-5F47-2BC1-1945-4B807D934C52}"/>
+              </a:ext>
+            </a:extLst>
+          </p:cNvPr>
+          <p:cNvSpPr>
+            <a:spLocks noGrp="1"/>
+          </p:cNvSpPr>
+          <p:nvPr>
+            <p:ph type="title"/>
+          </p:nvPr>
+        </p:nvSpPr>
+        <p:spPr/>
+        <p:txBody>
+          <a:bodyPr/>
+          <a:lstStyle/>
+          <a:p>
+            <a:r>
+              <a:rPr lang="en-US" b="1" dirty="0"/>
+              <a:t>Uses Of The Key Findings</a:t>
+            </a:r>
+          </a:p>
+        </p:txBody>
+      </p:sp>
+      <p:sp>
+        <p:nvSpPr>
+          <p:cNvPr id="3" name="Content Placeholder 2">
+            <a:extLst>
+              <a:ext uri="{FF2B5EF4-FFF2-40B4-BE49-F238E27FC236}">
+                <a16:creationId xmlns:a16="http://schemas.microsoft.com/office/drawing/2014/main" id="{61A22C7F-3E34-535D-5F0E-47AD88885FE9}"/>
+              </a:ext>
+            </a:extLst>
+          </p:cNvPr>
+          <p:cNvSpPr>
+            <a:spLocks noGrp="1"/>
+          </p:cNvSpPr>
+          <p:nvPr>
+            <p:ph idx="1"/>
+          </p:nvPr>
+        </p:nvSpPr>
+        <p:spPr/>
+        <p:txBody>
+          <a:bodyPr/>
+          <a:lstStyle/>
+          <a:p>
+            <a:r>
+              <a:rPr lang="en-US" b="1" dirty="0"/>
+              <a:t>Improved Care:</a:t>
+            </a:r>
+            <a:r>
+              <a:rPr lang="en-US" dirty="0"/>
+              <a:t> Extra monitoring for patients flagged as high-risk.</a:t>
+            </a:r>
+          </a:p>
+          <a:p>
+            <a:r>
+              <a:rPr lang="en-US" b="1" dirty="0"/>
+              <a:t>Cost Savings:</a:t>
+            </a:r>
+            <a:r>
+              <a:rPr lang="en-US" dirty="0"/>
+              <a:t> Reducing readmissions saves hospital resources and prevents financial penalties.</a:t>
+            </a:r>
+          </a:p>
+          <a:p>
+            <a:r>
+              <a:rPr lang="en-US" b="1" dirty="0"/>
+              <a:t>Patient Well-Being:</a:t>
+            </a:r>
+            <a:r>
+              <a:rPr lang="en-US" dirty="0"/>
+              <a:t> Patients avoid the stress and health risks of returning soon after discharge.</a:t>
+            </a:r>
+          </a:p>
+          <a:p>
+            <a:r>
+              <a:rPr lang="en-US" b="1" dirty="0"/>
+              <a:t>Planning &amp; Policy:</a:t>
+            </a:r>
+            <a:r>
+              <a:rPr lang="en-US" dirty="0"/>
+              <a:t> Helps hospital management design better discharge and follow-up programs.</a:t>
+            </a:r>
+          </a:p>
+        </p:txBody>
+      </p:sp>
+    </p:spTree>
+    <p:extLst>
+      <p:ext uri="{BB962C8B-B14F-4D97-AF65-F5344CB8AC3E}">
+        <p14:creationId xmlns:p14="http://schemas.microsoft.com/office/powerpoint/2010/main" val="95298227"/>
+      </p:ext>
+    </p:extLst>
+  </p:cSld>
+  <p:clrMapOvr>
+    <a:masterClrMapping/>
+  </p:clrMapOvr>
+</p:sld>
+</file>
+
+<file path=ppt/slides/slide18.xml><?xml version="1.0" encoding="utf-8"?>
+<p:sld xmlns:a="http://schemas.openxmlformats.org/drawingml/2006/main" xmlns:r="http://schemas.openxmlformats.org/officeDocument/2006/relationships" xmlns:p="http://schemas.openxmlformats.org/presentationml/2006/main">
+  <p:cSld>
+    <p:spTree>
+      <p:nvGrpSpPr>
+        <p:cNvPr id="1" name=""/>
+        <p:cNvGrpSpPr/>
+        <p:nvPr/>
+      </p:nvGrpSpPr>
+      <p:grpSpPr>
+        <a:xfrm>
+          <a:off x="0" y="0"/>
+          <a:ext cx="0" cy="0"/>
+          <a:chOff x="0" y="0"/>
+          <a:chExt cx="0" cy="0"/>
+        </a:xfrm>
+      </p:grpSpPr>
+      <p:sp>
+        <p:nvSpPr>
+          <p:cNvPr id="2" name="Title 1">
+            <a:extLst>
+              <a:ext uri="{FF2B5EF4-FFF2-40B4-BE49-F238E27FC236}">
+                <a16:creationId xmlns:a16="http://schemas.microsoft.com/office/drawing/2014/main" id="{C35530BF-5A90-E2BD-4F61-9BEC5E2CC5E5}"/>
+              </a:ext>
+            </a:extLst>
+          </p:cNvPr>
+          <p:cNvSpPr>
+            <a:spLocks noGrp="1"/>
+          </p:cNvSpPr>
+          <p:nvPr>
+            <p:ph type="title"/>
+          </p:nvPr>
+        </p:nvSpPr>
+        <p:spPr/>
+        <p:txBody>
+          <a:bodyPr/>
+          <a:lstStyle/>
+          <a:p>
+            <a:r>
+              <a:rPr lang="en-US" dirty="0"/>
+              <a:t>                       </a:t>
+            </a:r>
+            <a:r>
+              <a:rPr lang="en-US" b="1" dirty="0"/>
+              <a:t>Recommendations</a:t>
+            </a:r>
+          </a:p>
+        </p:txBody>
+      </p:sp>
+      <p:sp>
+        <p:nvSpPr>
+          <p:cNvPr id="3" name="Content Placeholder 2">
+            <a:extLst>
+              <a:ext uri="{FF2B5EF4-FFF2-40B4-BE49-F238E27FC236}">
+                <a16:creationId xmlns:a16="http://schemas.microsoft.com/office/drawing/2014/main" id="{4AA65ACF-1344-EBB3-82FD-AC47190313BB}"/>
+              </a:ext>
+            </a:extLst>
+          </p:cNvPr>
+          <p:cNvSpPr>
+            <a:spLocks noGrp="1"/>
+          </p:cNvSpPr>
+          <p:nvPr>
+            <p:ph idx="1"/>
+          </p:nvPr>
+        </p:nvSpPr>
+        <p:spPr/>
+        <p:txBody>
+          <a:bodyPr>
+            <a:normAutofit lnSpcReduction="10000"/>
+          </a:bodyPr>
+          <a:lstStyle/>
+          <a:p>
+            <a:r>
+              <a:rPr lang="en-US" b="1" dirty="0"/>
+              <a:t>Target High-Risk Patients</a:t>
+            </a:r>
+            <a:r>
+              <a:rPr lang="en-US" dirty="0"/>
+              <a:t> → Provide follow-up care for those with long hospital stays or frequent prior visits.</a:t>
+            </a:r>
+          </a:p>
+          <a:p>
+            <a:r>
+              <a:rPr lang="en-US" b="1" dirty="0"/>
+              <a:t>Medication Management</a:t>
+            </a:r>
+            <a:r>
+              <a:rPr lang="en-US" dirty="0"/>
+              <a:t> → Review and optimize prescriptions linked to higher readmission risks.</a:t>
+            </a:r>
+          </a:p>
+          <a:p>
+            <a:r>
+              <a:rPr lang="en-US" dirty="0"/>
+              <a:t> </a:t>
+            </a:r>
+            <a:r>
+              <a:rPr lang="en-US" b="1" dirty="0"/>
+              <a:t>Discharge Planning</a:t>
+            </a:r>
+            <a:r>
+              <a:rPr lang="en-US" dirty="0"/>
+              <a:t> → Strengthen patient education and support before leaving the hospital. </a:t>
+            </a:r>
+          </a:p>
+          <a:p>
+            <a:r>
+              <a:rPr lang="en-US" dirty="0"/>
+              <a:t> </a:t>
+            </a:r>
+            <a:r>
+              <a:rPr lang="en-US" b="1" dirty="0"/>
+              <a:t>Preventive Care</a:t>
+            </a:r>
+            <a:r>
+              <a:rPr lang="en-US" dirty="0"/>
+              <a:t> → Encourage early outpatient visits to reduce unnecessary readmissions.</a:t>
+            </a:r>
+          </a:p>
+          <a:p>
+            <a:r>
+              <a:rPr lang="en-US" dirty="0"/>
+              <a:t> </a:t>
+            </a:r>
+            <a:r>
+              <a:rPr lang="en-US" b="1" dirty="0"/>
+              <a:t>Resource Allocation</a:t>
+            </a:r>
+            <a:r>
+              <a:rPr lang="en-US" dirty="0"/>
+              <a:t> → Focus hospital resources where readmission risk is highest to cut costs and improve outcomes.</a:t>
+            </a:r>
+            <a:endParaRPr lang="en-US" b="1" dirty="0"/>
+          </a:p>
+        </p:txBody>
+      </p:sp>
+    </p:spTree>
+    <p:extLst>
+      <p:ext uri="{BB962C8B-B14F-4D97-AF65-F5344CB8AC3E}">
+        <p14:creationId xmlns:p14="http://schemas.microsoft.com/office/powerpoint/2010/main" val="2861924024"/>
       </p:ext>
     </p:extLst>
   </p:cSld>
@@ -3454,7 +4531,11 @@
           <a:p>
             <a:r>
               <a:rPr lang="en-US" dirty="0"/>
-              <a:t>                        Introduction</a:t>
+              <a:t>                        </a:t>
+            </a:r>
+            <a:r>
+              <a:rPr lang="en-US" b="1" dirty="0"/>
+              <a:t>Introduction</a:t>
             </a:r>
           </a:p>
         </p:txBody>
@@ -3607,8 +4688,8 @@
           <a:lstStyle/>
           <a:p>
             <a:r>
-              <a:rPr lang="en-US" dirty="0"/>
-              <a:t>Business Problem</a:t>
+              <a:rPr lang="en-US" b="1" dirty="0"/>
+              <a:t>             Business Problem</a:t>
             </a:r>
           </a:p>
         </p:txBody>
@@ -3712,7 +4793,7 @@
           <a:lstStyle/>
           <a:p>
             <a:r>
-              <a:rPr lang="en-US" dirty="0"/>
+              <a:rPr lang="en-US" b="1" dirty="0"/>
               <a:t>                         Project Objectives</a:t>
             </a:r>
           </a:p>
@@ -3931,7 +5012,11 @@
           <a:p>
             <a:r>
               <a:rPr lang="en-US" dirty="0"/>
-              <a:t>                       Project Objectives</a:t>
+              <a:t>                       </a:t>
+            </a:r>
+            <a:r>
+              <a:rPr lang="en-US" b="1" dirty="0"/>
+              <a:t>Project Objectives</a:t>
             </a:r>
           </a:p>
         </p:txBody>
@@ -4104,39 +5189,378 @@
           <a:bodyPr/>
           <a:lstStyle/>
           <a:p>
-            <a:endParaRPr lang="en-US" dirty="0"/>
-          </a:p>
-        </p:txBody>
-      </p:sp>
-      <p:sp>
-        <p:nvSpPr>
-          <p:cNvPr id="3" name="Content Placeholder 2">
-            <a:extLst>
-              <a:ext uri="{FF2B5EF4-FFF2-40B4-BE49-F238E27FC236}">
-                <a16:creationId xmlns:a16="http://schemas.microsoft.com/office/drawing/2014/main" id="{8DA3FBA4-F1FC-C660-D93C-0968035A2222}"/>
-              </a:ext>
-            </a:extLst>
-          </p:cNvPr>
-          <p:cNvSpPr>
-            <a:spLocks noGrp="1"/>
-          </p:cNvSpPr>
+            <a:r>
+              <a:rPr lang="en-US" b="1" dirty="0"/>
+              <a:t>Data Understanding</a:t>
+            </a:r>
+            <a:r>
+              <a:rPr lang="en-US" dirty="0"/>
+              <a:t>(Target Distribution, not less </a:t>
+            </a:r>
+            <a:r>
+              <a:rPr lang="en-US" dirty="0" err="1"/>
+              <a:t>tha</a:t>
+            </a:r>
+            <a:r>
+              <a:rPr lang="en-US" dirty="0"/>
+              <a:t> 30,less than 30)</a:t>
+            </a:r>
+          </a:p>
+        </p:txBody>
+      </p:sp>
+      <p:pic>
+        <p:nvPicPr>
+          <p:cNvPr id="5" name="Content Placeholder 4">
+            <a:extLst>
+              <a:ext uri="{FF2B5EF4-FFF2-40B4-BE49-F238E27FC236}">
+                <a16:creationId xmlns:a16="http://schemas.microsoft.com/office/drawing/2014/main" id="{8BD6EAFD-E88C-CA87-B109-6888033F6269}"/>
+              </a:ext>
+            </a:extLst>
+          </p:cNvPr>
+          <p:cNvPicPr>
+            <a:picLocks noGrp="1" noChangeAspect="1"/>
+          </p:cNvPicPr>
           <p:nvPr>
             <p:ph idx="1"/>
           </p:nvPr>
-        </p:nvSpPr>
-        <p:spPr/>
-        <p:txBody>
-          <a:bodyPr/>
-          <a:lstStyle/>
-          <a:p>
-            <a:endParaRPr lang="en-US" dirty="0"/>
-          </a:p>
-        </p:txBody>
-      </p:sp>
+        </p:nvPicPr>
+        <p:blipFill>
+          <a:blip r:embed="rId2"/>
+          <a:stretch>
+            <a:fillRect/>
+          </a:stretch>
+        </p:blipFill>
+        <p:spPr>
+          <a:xfrm>
+            <a:off x="3814444" y="2124607"/>
+            <a:ext cx="4563112" cy="3753374"/>
+          </a:xfrm>
+        </p:spPr>
+      </p:pic>
     </p:spTree>
     <p:extLst>
       <p:ext uri="{BB962C8B-B14F-4D97-AF65-F5344CB8AC3E}">
         <p14:creationId xmlns:p14="http://schemas.microsoft.com/office/powerpoint/2010/main" val="3421110428"/>
+      </p:ext>
+    </p:extLst>
+  </p:cSld>
+  <p:clrMapOvr>
+    <a:masterClrMapping/>
+  </p:clrMapOvr>
+</p:sld>
+</file>
+
+<file path=ppt/slides/slide7.xml><?xml version="1.0" encoding="utf-8"?>
+<p:sld xmlns:a="http://schemas.openxmlformats.org/drawingml/2006/main" xmlns:r="http://schemas.openxmlformats.org/officeDocument/2006/relationships" xmlns:p="http://schemas.openxmlformats.org/presentationml/2006/main">
+  <p:cSld>
+    <p:spTree>
+      <p:nvGrpSpPr>
+        <p:cNvPr id="1" name=""/>
+        <p:cNvGrpSpPr/>
+        <p:nvPr/>
+      </p:nvGrpSpPr>
+      <p:grpSpPr>
+        <a:xfrm>
+          <a:off x="0" y="0"/>
+          <a:ext cx="0" cy="0"/>
+          <a:chOff x="0" y="0"/>
+          <a:chExt cx="0" cy="0"/>
+        </a:xfrm>
+      </p:grpSpPr>
+      <p:sp>
+        <p:nvSpPr>
+          <p:cNvPr id="2" name="Title 1">
+            <a:extLst>
+              <a:ext uri="{FF2B5EF4-FFF2-40B4-BE49-F238E27FC236}">
+                <a16:creationId xmlns:a16="http://schemas.microsoft.com/office/drawing/2014/main" id="{79A582D5-FFDC-528F-6394-7200F635A5F4}"/>
+              </a:ext>
+            </a:extLst>
+          </p:cNvPr>
+          <p:cNvSpPr>
+            <a:spLocks noGrp="1"/>
+          </p:cNvSpPr>
+          <p:nvPr>
+            <p:ph type="title"/>
+          </p:nvPr>
+        </p:nvSpPr>
+        <p:spPr/>
+        <p:txBody>
+          <a:bodyPr/>
+          <a:lstStyle/>
+          <a:p>
+            <a:r>
+              <a:rPr lang="en-US" b="1" dirty="0"/>
+              <a:t>Data Understanding</a:t>
+            </a:r>
+            <a:r>
+              <a:rPr lang="en-US" dirty="0"/>
+              <a:t> (Target Distribution, not less </a:t>
+            </a:r>
+            <a:r>
+              <a:rPr lang="en-US" dirty="0" err="1"/>
+              <a:t>tha</a:t>
+            </a:r>
+            <a:r>
+              <a:rPr lang="en-US" dirty="0"/>
+              <a:t> 30,less than 30)</a:t>
+            </a:r>
+            <a:endParaRPr lang="en-US" b="1" dirty="0"/>
+          </a:p>
+        </p:txBody>
+      </p:sp>
+      <p:sp>
+        <p:nvSpPr>
+          <p:cNvPr id="3" name="Content Placeholder 2">
+            <a:extLst>
+              <a:ext uri="{FF2B5EF4-FFF2-40B4-BE49-F238E27FC236}">
+                <a16:creationId xmlns:a16="http://schemas.microsoft.com/office/drawing/2014/main" id="{8FB04A56-6AD2-CDB7-3D39-A9512059BC06}"/>
+              </a:ext>
+            </a:extLst>
+          </p:cNvPr>
+          <p:cNvSpPr>
+            <a:spLocks noGrp="1"/>
+          </p:cNvSpPr>
+          <p:nvPr>
+            <p:ph idx="1"/>
+          </p:nvPr>
+        </p:nvSpPr>
+        <p:spPr/>
+        <p:txBody>
+          <a:bodyPr/>
+          <a:lstStyle/>
+          <a:p>
+            <a:r>
+              <a:rPr lang="en-US" dirty="0"/>
+              <a:t>Most patients are </a:t>
+            </a:r>
+            <a:r>
+              <a:rPr lang="en-US" b="1" dirty="0"/>
+              <a:t>not readmitted within 30 days</a:t>
+            </a:r>
+            <a:r>
+              <a:rPr lang="en-US" dirty="0"/>
+              <a:t>, but a smaller group is. This means we have a </a:t>
+            </a:r>
+            <a:r>
+              <a:rPr lang="en-US" b="1" dirty="0"/>
+              <a:t>clear imbalance</a:t>
+            </a:r>
+            <a:r>
+              <a:rPr lang="en-US" dirty="0"/>
+              <a:t>: fewer readmitted patients compared to those not readmitted. This imbalance makes predicting who is at risk harder but also more important.</a:t>
+            </a:r>
+          </a:p>
+        </p:txBody>
+      </p:sp>
+    </p:spTree>
+    <p:extLst>
+      <p:ext uri="{BB962C8B-B14F-4D97-AF65-F5344CB8AC3E}">
+        <p14:creationId xmlns:p14="http://schemas.microsoft.com/office/powerpoint/2010/main" val="3602955482"/>
+      </p:ext>
+    </p:extLst>
+  </p:cSld>
+  <p:clrMapOvr>
+    <a:masterClrMapping/>
+  </p:clrMapOvr>
+</p:sld>
+</file>
+
+<file path=ppt/slides/slide8.xml><?xml version="1.0" encoding="utf-8"?>
+<p:sld xmlns:a="http://schemas.openxmlformats.org/drawingml/2006/main" xmlns:r="http://schemas.openxmlformats.org/officeDocument/2006/relationships" xmlns:p="http://schemas.openxmlformats.org/presentationml/2006/main">
+  <p:cSld>
+    <p:spTree>
+      <p:nvGrpSpPr>
+        <p:cNvPr id="1" name=""/>
+        <p:cNvGrpSpPr/>
+        <p:nvPr/>
+      </p:nvGrpSpPr>
+      <p:grpSpPr>
+        <a:xfrm>
+          <a:off x="0" y="0"/>
+          <a:ext cx="0" cy="0"/>
+          <a:chOff x="0" y="0"/>
+          <a:chExt cx="0" cy="0"/>
+        </a:xfrm>
+      </p:grpSpPr>
+      <p:sp>
+        <p:nvSpPr>
+          <p:cNvPr id="2" name="Title 1">
+            <a:extLst>
+              <a:ext uri="{FF2B5EF4-FFF2-40B4-BE49-F238E27FC236}">
+                <a16:creationId xmlns:a16="http://schemas.microsoft.com/office/drawing/2014/main" id="{09743C6E-BEBD-9366-334A-8C3F0AF893B2}"/>
+              </a:ext>
+            </a:extLst>
+          </p:cNvPr>
+          <p:cNvSpPr>
+            <a:spLocks noGrp="1"/>
+          </p:cNvSpPr>
+          <p:nvPr>
+            <p:ph type="title"/>
+          </p:nvPr>
+        </p:nvSpPr>
+        <p:spPr/>
+        <p:txBody>
+          <a:bodyPr/>
+          <a:lstStyle/>
+          <a:p>
+            <a:r>
+              <a:rPr lang="en-US" b="1" dirty="0"/>
+              <a:t>    Data Understanding</a:t>
+            </a:r>
+            <a:r>
+              <a:rPr lang="en-US" dirty="0"/>
+              <a:t>(Readmission By Age)</a:t>
+            </a:r>
+          </a:p>
+        </p:txBody>
+      </p:sp>
+      <p:pic>
+        <p:nvPicPr>
+          <p:cNvPr id="5" name="Content Placeholder 4">
+            <a:extLst>
+              <a:ext uri="{FF2B5EF4-FFF2-40B4-BE49-F238E27FC236}">
+                <a16:creationId xmlns:a16="http://schemas.microsoft.com/office/drawing/2014/main" id="{07A21190-75F0-0E01-F13D-2B362B49DD9C}"/>
+              </a:ext>
+            </a:extLst>
+          </p:cNvPr>
+          <p:cNvPicPr>
+            <a:picLocks noGrp="1" noChangeAspect="1"/>
+          </p:cNvPicPr>
+          <p:nvPr>
+            <p:ph idx="1"/>
+          </p:nvPr>
+        </p:nvPicPr>
+        <p:blipFill>
+          <a:blip r:embed="rId2"/>
+          <a:stretch>
+            <a:fillRect/>
+          </a:stretch>
+        </p:blipFill>
+        <p:spPr>
+          <a:xfrm>
+            <a:off x="2322506" y="1825625"/>
+            <a:ext cx="7546988" cy="4351338"/>
+          </a:xfrm>
+        </p:spPr>
+      </p:pic>
+    </p:spTree>
+    <p:extLst>
+      <p:ext uri="{BB962C8B-B14F-4D97-AF65-F5344CB8AC3E}">
+        <p14:creationId xmlns:p14="http://schemas.microsoft.com/office/powerpoint/2010/main" val="294033593"/>
+      </p:ext>
+    </p:extLst>
+  </p:cSld>
+  <p:clrMapOvr>
+    <a:masterClrMapping/>
+  </p:clrMapOvr>
+</p:sld>
+</file>
+
+<file path=ppt/slides/slide9.xml><?xml version="1.0" encoding="utf-8"?>
+<p:sld xmlns:a="http://schemas.openxmlformats.org/drawingml/2006/main" xmlns:r="http://schemas.openxmlformats.org/officeDocument/2006/relationships" xmlns:p="http://schemas.openxmlformats.org/presentationml/2006/main">
+  <p:cSld>
+    <p:spTree>
+      <p:nvGrpSpPr>
+        <p:cNvPr id="1" name=""/>
+        <p:cNvGrpSpPr/>
+        <p:nvPr/>
+      </p:nvGrpSpPr>
+      <p:grpSpPr>
+        <a:xfrm>
+          <a:off x="0" y="0"/>
+          <a:ext cx="0" cy="0"/>
+          <a:chOff x="0" y="0"/>
+          <a:chExt cx="0" cy="0"/>
+        </a:xfrm>
+      </p:grpSpPr>
+      <p:sp>
+        <p:nvSpPr>
+          <p:cNvPr id="2" name="Title 1">
+            <a:extLst>
+              <a:ext uri="{FF2B5EF4-FFF2-40B4-BE49-F238E27FC236}">
+                <a16:creationId xmlns:a16="http://schemas.microsoft.com/office/drawing/2014/main" id="{51267D70-EBF1-085D-ACE2-1EB952405705}"/>
+              </a:ext>
+            </a:extLst>
+          </p:cNvPr>
+          <p:cNvSpPr>
+            <a:spLocks noGrp="1"/>
+          </p:cNvSpPr>
+          <p:nvPr>
+            <p:ph type="title"/>
+          </p:nvPr>
+        </p:nvSpPr>
+        <p:spPr/>
+        <p:txBody>
+          <a:bodyPr/>
+          <a:lstStyle/>
+          <a:p>
+            <a:r>
+              <a:rPr lang="en-US" b="1" dirty="0"/>
+              <a:t>Data Understanding</a:t>
+            </a:r>
+            <a:r>
+              <a:rPr lang="en-US" dirty="0"/>
+              <a:t>(Readmission By Age)</a:t>
+            </a:r>
+          </a:p>
+        </p:txBody>
+      </p:sp>
+      <p:sp>
+        <p:nvSpPr>
+          <p:cNvPr id="3" name="Content Placeholder 2">
+            <a:extLst>
+              <a:ext uri="{FF2B5EF4-FFF2-40B4-BE49-F238E27FC236}">
+                <a16:creationId xmlns:a16="http://schemas.microsoft.com/office/drawing/2014/main" id="{9BF2A087-9AC0-0BEB-8EFB-BF92E7FCCB4F}"/>
+              </a:ext>
+            </a:extLst>
+          </p:cNvPr>
+          <p:cNvSpPr>
+            <a:spLocks noGrp="1"/>
+          </p:cNvSpPr>
+          <p:nvPr>
+            <p:ph idx="1"/>
+          </p:nvPr>
+        </p:nvSpPr>
+        <p:spPr/>
+        <p:txBody>
+          <a:bodyPr/>
+          <a:lstStyle/>
+          <a:p>
+            <a:r>
+              <a:rPr lang="en-US" dirty="0"/>
+              <a:t>Readmission risk varies across </a:t>
+            </a:r>
+            <a:r>
+              <a:rPr lang="en-US" b="1" dirty="0"/>
+              <a:t>age groups</a:t>
+            </a:r>
+            <a:r>
+              <a:rPr lang="en-US" dirty="0"/>
+              <a:t>. Certain age brackets (often middle-aged to older patients) show a </a:t>
+            </a:r>
+            <a:r>
+              <a:rPr lang="en-US" b="1" dirty="0"/>
+              <a:t>higher chance of being readmitted</a:t>
+            </a:r>
+            <a:r>
+              <a:rPr lang="en-US" dirty="0"/>
+              <a:t>, suggesting that </a:t>
+            </a:r>
+            <a:r>
+              <a:rPr lang="en-US" b="1" dirty="0"/>
+              <a:t>age is a significant factor</a:t>
+            </a:r>
+            <a:r>
+              <a:rPr lang="en-US" dirty="0"/>
+              <a:t> in hospital return rates.</a:t>
+            </a:r>
+          </a:p>
+        </p:txBody>
+      </p:sp>
+    </p:spTree>
+    <p:extLst>
+      <p:ext uri="{BB962C8B-B14F-4D97-AF65-F5344CB8AC3E}">
+        <p14:creationId xmlns:p14="http://schemas.microsoft.com/office/powerpoint/2010/main" val="1264835100"/>
       </p:ext>
     </p:extLst>
   </p:cSld>

--- a/Presentation2.pptx
+++ b/Presentation2.pptx
@@ -11,6 +11,18 @@
     <p:sldId id="261" r:id="rId5"/>
     <p:sldId id="262" r:id="rId6"/>
     <p:sldId id="263" r:id="rId7"/>
+    <p:sldId id="264" r:id="rId8"/>
+    <p:sldId id="265" r:id="rId9"/>
+    <p:sldId id="266" r:id="rId10"/>
+    <p:sldId id="267" r:id="rId11"/>
+    <p:sldId id="268" r:id="rId12"/>
+    <p:sldId id="269" r:id="rId13"/>
+    <p:sldId id="270" r:id="rId14"/>
+    <p:sldId id="272" r:id="rId15"/>
+    <p:sldId id="274" r:id="rId16"/>
+    <p:sldId id="275" r:id="rId17"/>
+    <p:sldId id="276" r:id="rId18"/>
+    <p:sldId id="277" r:id="rId19"/>
   </p:sldIdLst>
   <p:sldSz cx="12192000" cy="6858000"/>
   <p:notesSz cx="6858000" cy="9144000"/>
@@ -3353,15 +3365,15 @@
           <a:lstStyle/>
           <a:p>
             <a:r>
-              <a:rPr lang="en-US" dirty="0"/>
+              <a:rPr lang="en-US" b="1" dirty="0"/>
               <a:t>TITLE: Diabetes Treatment A </a:t>
             </a:r>
             <a:r>
-              <a:rPr lang="en-US" dirty="0" err="1"/>
+              <a:rPr lang="en-US" b="1" dirty="0" err="1"/>
               <a:t>nd</a:t>
             </a:r>
             <a:r>
-              <a:rPr lang="en-US" dirty="0"/>
+              <a:rPr lang="en-US" b="1" dirty="0"/>
               <a:t> Readmission Prediction</a:t>
             </a:r>
           </a:p>
@@ -3398,6 +3410,9 @@
               <a:rPr lang="en-US" dirty="0"/>
               <a:t>Date:</a:t>
             </a:r>
+          </a:p>
+          <a:p>
+            <a:endParaRPr lang="en-US" dirty="0"/>
           </a:p>
         </p:txBody>
       </p:sp>
@@ -3405,6 +3420,1068 @@
     <p:extLst>
       <p:ext uri="{BB962C8B-B14F-4D97-AF65-F5344CB8AC3E}">
         <p14:creationId xmlns:p14="http://schemas.microsoft.com/office/powerpoint/2010/main" val="3647700222"/>
+      </p:ext>
+    </p:extLst>
+  </p:cSld>
+  <p:clrMapOvr>
+    <a:masterClrMapping/>
+  </p:clrMapOvr>
+</p:sld>
+</file>
+
+<file path=ppt/slides/slide10.xml><?xml version="1.0" encoding="utf-8"?>
+<p:sld xmlns:a="http://schemas.openxmlformats.org/drawingml/2006/main" xmlns:r="http://schemas.openxmlformats.org/officeDocument/2006/relationships" xmlns:p="http://schemas.openxmlformats.org/presentationml/2006/main">
+  <p:cSld>
+    <p:spTree>
+      <p:nvGrpSpPr>
+        <p:cNvPr id="1" name=""/>
+        <p:cNvGrpSpPr/>
+        <p:nvPr/>
+      </p:nvGrpSpPr>
+      <p:grpSpPr>
+        <a:xfrm>
+          <a:off x="0" y="0"/>
+          <a:ext cx="0" cy="0"/>
+          <a:chOff x="0" y="0"/>
+          <a:chExt cx="0" cy="0"/>
+        </a:xfrm>
+      </p:grpSpPr>
+      <p:sp>
+        <p:nvSpPr>
+          <p:cNvPr id="2" name="Title 1">
+            <a:extLst>
+              <a:ext uri="{FF2B5EF4-FFF2-40B4-BE49-F238E27FC236}">
+                <a16:creationId xmlns:a16="http://schemas.microsoft.com/office/drawing/2014/main" id="{E8F8856B-8CE7-0F78-21DA-8D4EEE8D1D38}"/>
+              </a:ext>
+            </a:extLst>
+          </p:cNvPr>
+          <p:cNvSpPr>
+            <a:spLocks noGrp="1"/>
+          </p:cNvSpPr>
+          <p:nvPr>
+            <p:ph type="title"/>
+          </p:nvPr>
+        </p:nvSpPr>
+        <p:spPr/>
+        <p:txBody>
+          <a:bodyPr/>
+          <a:lstStyle/>
+          <a:p>
+            <a:r>
+              <a:rPr lang="en-US" dirty="0"/>
+              <a:t>                       </a:t>
+            </a:r>
+            <a:r>
+              <a:rPr lang="en-US" b="1" dirty="0"/>
+              <a:t>Data Understanding</a:t>
+            </a:r>
+            <a:br>
+              <a:rPr lang="en-US" dirty="0"/>
+            </a:br>
+            <a:r>
+              <a:rPr lang="en-US" dirty="0"/>
+              <a:t>             (Readmitted Based On Gender)</a:t>
+            </a:r>
+          </a:p>
+        </p:txBody>
+      </p:sp>
+      <p:pic>
+        <p:nvPicPr>
+          <p:cNvPr id="5" name="Content Placeholder 4">
+            <a:extLst>
+              <a:ext uri="{FF2B5EF4-FFF2-40B4-BE49-F238E27FC236}">
+                <a16:creationId xmlns:a16="http://schemas.microsoft.com/office/drawing/2014/main" id="{C478BE40-025E-A705-8183-5ACFCDFECF59}"/>
+              </a:ext>
+            </a:extLst>
+          </p:cNvPr>
+          <p:cNvPicPr>
+            <a:picLocks noGrp="1" noChangeAspect="1"/>
+          </p:cNvPicPr>
+          <p:nvPr>
+            <p:ph idx="1"/>
+          </p:nvPr>
+        </p:nvPicPr>
+        <p:blipFill>
+          <a:blip r:embed="rId2"/>
+          <a:stretch>
+            <a:fillRect/>
+          </a:stretch>
+        </p:blipFill>
+        <p:spPr>
+          <a:xfrm>
+            <a:off x="3895418" y="2162712"/>
+            <a:ext cx="4401164" cy="3677163"/>
+          </a:xfrm>
+        </p:spPr>
+      </p:pic>
+    </p:spTree>
+    <p:extLst>
+      <p:ext uri="{BB962C8B-B14F-4D97-AF65-F5344CB8AC3E}">
+        <p14:creationId xmlns:p14="http://schemas.microsoft.com/office/powerpoint/2010/main" val="2438530391"/>
+      </p:ext>
+    </p:extLst>
+  </p:cSld>
+  <p:clrMapOvr>
+    <a:masterClrMapping/>
+  </p:clrMapOvr>
+</p:sld>
+</file>
+
+<file path=ppt/slides/slide11.xml><?xml version="1.0" encoding="utf-8"?>
+<p:sld xmlns:a="http://schemas.openxmlformats.org/drawingml/2006/main" xmlns:r="http://schemas.openxmlformats.org/officeDocument/2006/relationships" xmlns:p="http://schemas.openxmlformats.org/presentationml/2006/main">
+  <p:cSld>
+    <p:spTree>
+      <p:nvGrpSpPr>
+        <p:cNvPr id="1" name=""/>
+        <p:cNvGrpSpPr/>
+        <p:nvPr/>
+      </p:nvGrpSpPr>
+      <p:grpSpPr>
+        <a:xfrm>
+          <a:off x="0" y="0"/>
+          <a:ext cx="0" cy="0"/>
+          <a:chOff x="0" y="0"/>
+          <a:chExt cx="0" cy="0"/>
+        </a:xfrm>
+      </p:grpSpPr>
+      <p:sp>
+        <p:nvSpPr>
+          <p:cNvPr id="2" name="Title 1">
+            <a:extLst>
+              <a:ext uri="{FF2B5EF4-FFF2-40B4-BE49-F238E27FC236}">
+                <a16:creationId xmlns:a16="http://schemas.microsoft.com/office/drawing/2014/main" id="{799ADB6F-DF2B-B3F1-B2CD-EB40BE9144BD}"/>
+              </a:ext>
+            </a:extLst>
+          </p:cNvPr>
+          <p:cNvSpPr>
+            <a:spLocks noGrp="1"/>
+          </p:cNvSpPr>
+          <p:nvPr>
+            <p:ph type="title"/>
+          </p:nvPr>
+        </p:nvSpPr>
+        <p:spPr/>
+        <p:txBody>
+          <a:bodyPr>
+            <a:normAutofit fontScale="90000"/>
+          </a:bodyPr>
+          <a:lstStyle/>
+          <a:p>
+            <a:r>
+              <a:rPr lang="en-US" dirty="0"/>
+              <a:t>                         </a:t>
+            </a:r>
+            <a:r>
+              <a:rPr lang="en-US" b="1" dirty="0"/>
+              <a:t>Data Understanding</a:t>
+            </a:r>
+            <a:br>
+              <a:rPr lang="en-US" dirty="0"/>
+            </a:br>
+            <a:r>
+              <a:rPr lang="en-US" dirty="0"/>
+              <a:t>     (Readmitted Based On Gender Explanation)</a:t>
+            </a:r>
+          </a:p>
+        </p:txBody>
+      </p:sp>
+      <p:sp>
+        <p:nvSpPr>
+          <p:cNvPr id="3" name="Content Placeholder 2">
+            <a:extLst>
+              <a:ext uri="{FF2B5EF4-FFF2-40B4-BE49-F238E27FC236}">
+                <a16:creationId xmlns:a16="http://schemas.microsoft.com/office/drawing/2014/main" id="{B77117A4-5E99-6BD9-8975-3F127AB61771}"/>
+              </a:ext>
+            </a:extLst>
+          </p:cNvPr>
+          <p:cNvSpPr>
+            <a:spLocks noGrp="1"/>
+          </p:cNvSpPr>
+          <p:nvPr>
+            <p:ph idx="1"/>
+          </p:nvPr>
+        </p:nvSpPr>
+        <p:spPr/>
+        <p:txBody>
+          <a:bodyPr/>
+          <a:lstStyle/>
+          <a:p>
+            <a:r>
+              <a:rPr lang="en-US" dirty="0"/>
+              <a:t>There is </a:t>
+            </a:r>
+            <a:r>
+              <a:rPr lang="en-US" b="1" dirty="0"/>
+              <a:t>no strong difference</a:t>
+            </a:r>
+            <a:r>
+              <a:rPr lang="en-US" dirty="0"/>
+              <a:t> in readmission rates between </a:t>
+            </a:r>
+            <a:r>
+              <a:rPr lang="en-US" b="1" dirty="0"/>
+              <a:t>males and females</a:t>
+            </a:r>
+            <a:r>
+              <a:rPr lang="en-US" dirty="0"/>
+              <a:t>. Gender alone doesn’t appear to be a major driver of readmissions, so our focus should remain on other, stronger predictors.</a:t>
+            </a:r>
+          </a:p>
+        </p:txBody>
+      </p:sp>
+    </p:spTree>
+    <p:extLst>
+      <p:ext uri="{BB962C8B-B14F-4D97-AF65-F5344CB8AC3E}">
+        <p14:creationId xmlns:p14="http://schemas.microsoft.com/office/powerpoint/2010/main" val="3600690269"/>
+      </p:ext>
+    </p:extLst>
+  </p:cSld>
+  <p:clrMapOvr>
+    <a:masterClrMapping/>
+  </p:clrMapOvr>
+</p:sld>
+</file>
+
+<file path=ppt/slides/slide12.xml><?xml version="1.0" encoding="utf-8"?>
+<p:sld xmlns:a="http://schemas.openxmlformats.org/drawingml/2006/main" xmlns:r="http://schemas.openxmlformats.org/officeDocument/2006/relationships" xmlns:p="http://schemas.openxmlformats.org/presentationml/2006/main">
+  <p:cSld>
+    <p:spTree>
+      <p:nvGrpSpPr>
+        <p:cNvPr id="1" name=""/>
+        <p:cNvGrpSpPr/>
+        <p:nvPr/>
+      </p:nvGrpSpPr>
+      <p:grpSpPr>
+        <a:xfrm>
+          <a:off x="0" y="0"/>
+          <a:ext cx="0" cy="0"/>
+          <a:chOff x="0" y="0"/>
+          <a:chExt cx="0" cy="0"/>
+        </a:xfrm>
+      </p:grpSpPr>
+      <p:sp>
+        <p:nvSpPr>
+          <p:cNvPr id="2" name="Title 1">
+            <a:extLst>
+              <a:ext uri="{FF2B5EF4-FFF2-40B4-BE49-F238E27FC236}">
+                <a16:creationId xmlns:a16="http://schemas.microsoft.com/office/drawing/2014/main" id="{790461F6-46C1-35F3-E4EC-C50108FED45A}"/>
+              </a:ext>
+            </a:extLst>
+          </p:cNvPr>
+          <p:cNvSpPr>
+            <a:spLocks noGrp="1"/>
+          </p:cNvSpPr>
+          <p:nvPr>
+            <p:ph type="title"/>
+          </p:nvPr>
+        </p:nvSpPr>
+        <p:spPr/>
+        <p:txBody>
+          <a:bodyPr/>
+          <a:lstStyle/>
+          <a:p>
+            <a:r>
+              <a:rPr lang="en-US" dirty="0"/>
+              <a:t>                    </a:t>
+            </a:r>
+            <a:r>
+              <a:rPr lang="en-US" b="1" dirty="0"/>
+              <a:t>Data Understanding</a:t>
+            </a:r>
+            <a:br>
+              <a:rPr lang="en-US" dirty="0"/>
+            </a:br>
+            <a:r>
+              <a:rPr lang="en-US" dirty="0"/>
+              <a:t>             (Top 10 Diagnosed Categories)</a:t>
+            </a:r>
+          </a:p>
+        </p:txBody>
+      </p:sp>
+      <p:pic>
+        <p:nvPicPr>
+          <p:cNvPr id="5" name="Content Placeholder 4">
+            <a:extLst>
+              <a:ext uri="{FF2B5EF4-FFF2-40B4-BE49-F238E27FC236}">
+                <a16:creationId xmlns:a16="http://schemas.microsoft.com/office/drawing/2014/main" id="{5D3C1ECD-1776-F634-9FB8-42E4BE20E507}"/>
+              </a:ext>
+            </a:extLst>
+          </p:cNvPr>
+          <p:cNvPicPr>
+            <a:picLocks noGrp="1" noChangeAspect="1"/>
+          </p:cNvPicPr>
+          <p:nvPr>
+            <p:ph idx="1"/>
+          </p:nvPr>
+        </p:nvPicPr>
+        <p:blipFill>
+          <a:blip r:embed="rId2"/>
+          <a:stretch>
+            <a:fillRect/>
+          </a:stretch>
+        </p:blipFill>
+        <p:spPr>
+          <a:xfrm>
+            <a:off x="2870008" y="1825625"/>
+            <a:ext cx="6451984" cy="4351338"/>
+          </a:xfrm>
+        </p:spPr>
+      </p:pic>
+    </p:spTree>
+    <p:extLst>
+      <p:ext uri="{BB962C8B-B14F-4D97-AF65-F5344CB8AC3E}">
+        <p14:creationId xmlns:p14="http://schemas.microsoft.com/office/powerpoint/2010/main" val="3348471284"/>
+      </p:ext>
+    </p:extLst>
+  </p:cSld>
+  <p:clrMapOvr>
+    <a:masterClrMapping/>
+  </p:clrMapOvr>
+</p:sld>
+</file>
+
+<file path=ppt/slides/slide13.xml><?xml version="1.0" encoding="utf-8"?>
+<p:sld xmlns:a="http://schemas.openxmlformats.org/drawingml/2006/main" xmlns:r="http://schemas.openxmlformats.org/officeDocument/2006/relationships" xmlns:p="http://schemas.openxmlformats.org/presentationml/2006/main">
+  <p:cSld>
+    <p:spTree>
+      <p:nvGrpSpPr>
+        <p:cNvPr id="1" name=""/>
+        <p:cNvGrpSpPr/>
+        <p:nvPr/>
+      </p:nvGrpSpPr>
+      <p:grpSpPr>
+        <a:xfrm>
+          <a:off x="0" y="0"/>
+          <a:ext cx="0" cy="0"/>
+          <a:chOff x="0" y="0"/>
+          <a:chExt cx="0" cy="0"/>
+        </a:xfrm>
+      </p:grpSpPr>
+      <p:sp>
+        <p:nvSpPr>
+          <p:cNvPr id="2" name="Title 1">
+            <a:extLst>
+              <a:ext uri="{FF2B5EF4-FFF2-40B4-BE49-F238E27FC236}">
+                <a16:creationId xmlns:a16="http://schemas.microsoft.com/office/drawing/2014/main" id="{0696EBF3-B6C9-91AC-0E15-BB2D956E84B3}"/>
+              </a:ext>
+            </a:extLst>
+          </p:cNvPr>
+          <p:cNvSpPr>
+            <a:spLocks noGrp="1"/>
+          </p:cNvSpPr>
+          <p:nvPr>
+            <p:ph type="title"/>
+          </p:nvPr>
+        </p:nvSpPr>
+        <p:spPr/>
+        <p:txBody>
+          <a:bodyPr/>
+          <a:lstStyle/>
+          <a:p>
+            <a:r>
+              <a:rPr kumimoji="0" lang="en-US" sz="4400" b="1" i="0" u="none" strike="noStrike" kern="1200" cap="none" spc="0" normalizeH="0" baseline="0" noProof="0" dirty="0">
+                <a:ln>
+                  <a:noFill/>
+                </a:ln>
+                <a:solidFill>
+                  <a:prstClr val="black"/>
+                </a:solidFill>
+                <a:effectLst/>
+                <a:uLnTx/>
+                <a:uFillTx/>
+                <a:latin typeface="Calibri Light" panose="020F0302020204030204"/>
+                <a:ea typeface="+mj-ea"/>
+                <a:cs typeface="+mj-cs"/>
+              </a:rPr>
+              <a:t>Data Understanding</a:t>
+            </a:r>
+            <a:r>
+              <a:rPr lang="en-US" dirty="0"/>
+              <a:t> (Top 10 Diagnosed Categories Explanation)</a:t>
+            </a:r>
+            <a:endParaRPr lang="en-US" b="1" dirty="0"/>
+          </a:p>
+        </p:txBody>
+      </p:sp>
+      <p:sp>
+        <p:nvSpPr>
+          <p:cNvPr id="3" name="Content Placeholder 2">
+            <a:extLst>
+              <a:ext uri="{FF2B5EF4-FFF2-40B4-BE49-F238E27FC236}">
+                <a16:creationId xmlns:a16="http://schemas.microsoft.com/office/drawing/2014/main" id="{C1B9D861-A496-13DF-A3AB-BA965F6524A2}"/>
+              </a:ext>
+            </a:extLst>
+          </p:cNvPr>
+          <p:cNvSpPr>
+            <a:spLocks noGrp="1"/>
+          </p:cNvSpPr>
+          <p:nvPr>
+            <p:ph idx="1"/>
+          </p:nvPr>
+        </p:nvSpPr>
+        <p:spPr/>
+        <p:txBody>
+          <a:bodyPr/>
+          <a:lstStyle/>
+          <a:p>
+            <a:r>
+              <a:rPr lang="en-US" dirty="0"/>
+              <a:t>A few </a:t>
+            </a:r>
+            <a:r>
+              <a:rPr lang="en-US" b="1" dirty="0"/>
+              <a:t>diagnosis categories</a:t>
+            </a:r>
+            <a:r>
+              <a:rPr lang="en-US" dirty="0"/>
+              <a:t> (like diabetes complications, circulatory issues, or respiratory diseases) account for a </a:t>
+            </a:r>
+            <a:r>
+              <a:rPr lang="en-US" b="1" dirty="0"/>
+              <a:t>large share of readmissions</a:t>
+            </a:r>
+            <a:r>
+              <a:rPr lang="en-US" dirty="0"/>
+              <a:t>. This tells us certain conditions are </a:t>
+            </a:r>
+            <a:r>
+              <a:rPr lang="en-US" b="1" dirty="0"/>
+              <a:t>riskier</a:t>
+            </a:r>
+            <a:r>
+              <a:rPr lang="en-US" dirty="0"/>
+              <a:t> and may need </a:t>
+            </a:r>
+            <a:r>
+              <a:rPr lang="en-US" b="1" dirty="0"/>
+              <a:t>closer follow-up care</a:t>
+            </a:r>
+            <a:r>
+              <a:rPr lang="en-US" dirty="0"/>
+              <a:t> to prevent patients from returning.</a:t>
+            </a:r>
+          </a:p>
+        </p:txBody>
+      </p:sp>
+    </p:spTree>
+    <p:extLst>
+      <p:ext uri="{BB962C8B-B14F-4D97-AF65-F5344CB8AC3E}">
+        <p14:creationId xmlns:p14="http://schemas.microsoft.com/office/powerpoint/2010/main" val="3551218915"/>
+      </p:ext>
+    </p:extLst>
+  </p:cSld>
+  <p:clrMapOvr>
+    <a:masterClrMapping/>
+  </p:clrMapOvr>
+</p:sld>
+</file>
+
+<file path=ppt/slides/slide14.xml><?xml version="1.0" encoding="utf-8"?>
+<p:sld xmlns:a="http://schemas.openxmlformats.org/drawingml/2006/main" xmlns:r="http://schemas.openxmlformats.org/officeDocument/2006/relationships" xmlns:p="http://schemas.openxmlformats.org/presentationml/2006/main">
+  <p:cSld>
+    <p:spTree>
+      <p:nvGrpSpPr>
+        <p:cNvPr id="1" name=""/>
+        <p:cNvGrpSpPr/>
+        <p:nvPr/>
+      </p:nvGrpSpPr>
+      <p:grpSpPr>
+        <a:xfrm>
+          <a:off x="0" y="0"/>
+          <a:ext cx="0" cy="0"/>
+          <a:chOff x="0" y="0"/>
+          <a:chExt cx="0" cy="0"/>
+        </a:xfrm>
+      </p:grpSpPr>
+      <p:sp>
+        <p:nvSpPr>
+          <p:cNvPr id="2" name="Title 1">
+            <a:extLst>
+              <a:ext uri="{FF2B5EF4-FFF2-40B4-BE49-F238E27FC236}">
+                <a16:creationId xmlns:a16="http://schemas.microsoft.com/office/drawing/2014/main" id="{7383CF8A-7B03-2130-5D1A-F840814E8968}"/>
+              </a:ext>
+            </a:extLst>
+          </p:cNvPr>
+          <p:cNvSpPr>
+            <a:spLocks noGrp="1"/>
+          </p:cNvSpPr>
+          <p:nvPr>
+            <p:ph type="title"/>
+          </p:nvPr>
+        </p:nvSpPr>
+        <p:spPr/>
+        <p:txBody>
+          <a:bodyPr/>
+          <a:lstStyle/>
+          <a:p>
+            <a:r>
+              <a:rPr lang="en-US" dirty="0"/>
+              <a:t>  </a:t>
+            </a:r>
+            <a:r>
+              <a:rPr lang="en-US" b="1" dirty="0"/>
+              <a:t>Data Analysis-Machine Learning findings.</a:t>
+            </a:r>
+          </a:p>
+        </p:txBody>
+      </p:sp>
+      <p:sp>
+        <p:nvSpPr>
+          <p:cNvPr id="3" name="Content Placeholder 2">
+            <a:extLst>
+              <a:ext uri="{FF2B5EF4-FFF2-40B4-BE49-F238E27FC236}">
+                <a16:creationId xmlns:a16="http://schemas.microsoft.com/office/drawing/2014/main" id="{55B66CE9-F97C-248C-28D9-C892F806BE02}"/>
+              </a:ext>
+            </a:extLst>
+          </p:cNvPr>
+          <p:cNvSpPr>
+            <a:spLocks noGrp="1"/>
+          </p:cNvSpPr>
+          <p:nvPr>
+            <p:ph idx="1"/>
+          </p:nvPr>
+        </p:nvSpPr>
+        <p:spPr/>
+        <p:txBody>
+          <a:bodyPr>
+            <a:normAutofit/>
+          </a:bodyPr>
+          <a:lstStyle/>
+          <a:p>
+            <a:pPr marL="0" indent="0">
+              <a:buNone/>
+            </a:pPr>
+            <a:endParaRPr lang="en-US" dirty="0"/>
+          </a:p>
+          <a:p>
+            <a:r>
+              <a:rPr lang="en-US" dirty="0"/>
+              <a:t>We used patient data (age, gender, test results, medications, prior visits) to understand factors linked to hospital readmissions.</a:t>
+            </a:r>
+          </a:p>
+          <a:p>
+            <a:r>
+              <a:rPr lang="en-US" dirty="0"/>
+              <a:t>Machine learning was applied to find patterns and predict which patients are most likely to be readmitted within 30 days.</a:t>
+            </a:r>
+          </a:p>
+          <a:p>
+            <a:r>
+              <a:rPr lang="en-US" dirty="0"/>
+              <a:t>The goal is to support hospital staff with early warnings so they can give extra care to high-risk patients.</a:t>
+            </a:r>
+          </a:p>
+        </p:txBody>
+      </p:sp>
+    </p:spTree>
+    <p:extLst>
+      <p:ext uri="{BB962C8B-B14F-4D97-AF65-F5344CB8AC3E}">
+        <p14:creationId xmlns:p14="http://schemas.microsoft.com/office/powerpoint/2010/main" val="2166087450"/>
+      </p:ext>
+    </p:extLst>
+  </p:cSld>
+  <p:clrMapOvr>
+    <a:masterClrMapping/>
+  </p:clrMapOvr>
+</p:sld>
+</file>
+
+<file path=ppt/slides/slide15.xml><?xml version="1.0" encoding="utf-8"?>
+<p:sld xmlns:a="http://schemas.openxmlformats.org/drawingml/2006/main" xmlns:r="http://schemas.openxmlformats.org/officeDocument/2006/relationships" xmlns:p="http://schemas.openxmlformats.org/presentationml/2006/main">
+  <p:cSld>
+    <p:spTree>
+      <p:nvGrpSpPr>
+        <p:cNvPr id="1" name=""/>
+        <p:cNvGrpSpPr/>
+        <p:nvPr/>
+      </p:nvGrpSpPr>
+      <p:grpSpPr>
+        <a:xfrm>
+          <a:off x="0" y="0"/>
+          <a:ext cx="0" cy="0"/>
+          <a:chOff x="0" y="0"/>
+          <a:chExt cx="0" cy="0"/>
+        </a:xfrm>
+      </p:grpSpPr>
+      <p:sp>
+        <p:nvSpPr>
+          <p:cNvPr id="2" name="Title 1">
+            <a:extLst>
+              <a:ext uri="{FF2B5EF4-FFF2-40B4-BE49-F238E27FC236}">
+                <a16:creationId xmlns:a16="http://schemas.microsoft.com/office/drawing/2014/main" id="{CF2F28AA-76E3-10B7-130B-C2D95659CEF9}"/>
+              </a:ext>
+            </a:extLst>
+          </p:cNvPr>
+          <p:cNvSpPr>
+            <a:spLocks noGrp="1"/>
+          </p:cNvSpPr>
+          <p:nvPr>
+            <p:ph type="title"/>
+          </p:nvPr>
+        </p:nvSpPr>
+        <p:spPr/>
+        <p:txBody>
+          <a:bodyPr/>
+          <a:lstStyle/>
+          <a:p>
+            <a:r>
+              <a:rPr lang="en-US" b="1" dirty="0"/>
+              <a:t>What the model Does</a:t>
+            </a:r>
+          </a:p>
+        </p:txBody>
+      </p:sp>
+      <p:sp>
+        <p:nvSpPr>
+          <p:cNvPr id="3" name="Content Placeholder 2">
+            <a:extLst>
+              <a:ext uri="{FF2B5EF4-FFF2-40B4-BE49-F238E27FC236}">
+                <a16:creationId xmlns:a16="http://schemas.microsoft.com/office/drawing/2014/main" id="{C21A738A-ED75-FC52-410B-1B537C48CEC2}"/>
+              </a:ext>
+            </a:extLst>
+          </p:cNvPr>
+          <p:cNvSpPr>
+            <a:spLocks noGrp="1"/>
+          </p:cNvSpPr>
+          <p:nvPr>
+            <p:ph idx="1"/>
+          </p:nvPr>
+        </p:nvSpPr>
+        <p:spPr/>
+        <p:txBody>
+          <a:bodyPr/>
+          <a:lstStyle/>
+          <a:p>
+            <a:r>
+              <a:rPr lang="en-US" dirty="0"/>
+              <a:t>Predicts whether a patient is likely to be readmitted within 30 days.</a:t>
+            </a:r>
+          </a:p>
+          <a:p>
+            <a:r>
+              <a:rPr lang="en-US" dirty="0"/>
+              <a:t>Works like a “risk flag” system to guide doctors and nurses.</a:t>
+            </a:r>
+          </a:p>
+          <a:p>
+            <a:r>
+              <a:rPr lang="en-US" dirty="0"/>
+              <a:t>Think of it as an </a:t>
+            </a:r>
+            <a:r>
+              <a:rPr lang="en-US" b="1" dirty="0"/>
+              <a:t>extra set of eyes</a:t>
+            </a:r>
+            <a:r>
+              <a:rPr lang="en-US" dirty="0"/>
+              <a:t> that helps spot high-risk patients earlier.</a:t>
+            </a:r>
+          </a:p>
+        </p:txBody>
+      </p:sp>
+    </p:spTree>
+    <p:extLst>
+      <p:ext uri="{BB962C8B-B14F-4D97-AF65-F5344CB8AC3E}">
+        <p14:creationId xmlns:p14="http://schemas.microsoft.com/office/powerpoint/2010/main" val="3066069671"/>
+      </p:ext>
+    </p:extLst>
+  </p:cSld>
+  <p:clrMapOvr>
+    <a:masterClrMapping/>
+  </p:clrMapOvr>
+</p:sld>
+</file>
+
+<file path=ppt/slides/slide16.xml><?xml version="1.0" encoding="utf-8"?>
+<p:sld xmlns:a="http://schemas.openxmlformats.org/drawingml/2006/main" xmlns:r="http://schemas.openxmlformats.org/officeDocument/2006/relationships" xmlns:p="http://schemas.openxmlformats.org/presentationml/2006/main">
+  <p:cSld>
+    <p:spTree>
+      <p:nvGrpSpPr>
+        <p:cNvPr id="1" name=""/>
+        <p:cNvGrpSpPr/>
+        <p:nvPr/>
+      </p:nvGrpSpPr>
+      <p:grpSpPr>
+        <a:xfrm>
+          <a:off x="0" y="0"/>
+          <a:ext cx="0" cy="0"/>
+          <a:chOff x="0" y="0"/>
+          <a:chExt cx="0" cy="0"/>
+        </a:xfrm>
+      </p:grpSpPr>
+      <p:sp>
+        <p:nvSpPr>
+          <p:cNvPr id="2" name="Title 1">
+            <a:extLst>
+              <a:ext uri="{FF2B5EF4-FFF2-40B4-BE49-F238E27FC236}">
+                <a16:creationId xmlns:a16="http://schemas.microsoft.com/office/drawing/2014/main" id="{1714B163-5DC8-736C-39B8-948E6884DD1B}"/>
+              </a:ext>
+            </a:extLst>
+          </p:cNvPr>
+          <p:cNvSpPr>
+            <a:spLocks noGrp="1"/>
+          </p:cNvSpPr>
+          <p:nvPr>
+            <p:ph type="title"/>
+          </p:nvPr>
+        </p:nvSpPr>
+        <p:spPr/>
+        <p:txBody>
+          <a:bodyPr/>
+          <a:lstStyle/>
+          <a:p>
+            <a:r>
+              <a:rPr lang="en-US" b="1" dirty="0"/>
+              <a:t>Key Findings</a:t>
+            </a:r>
+          </a:p>
+        </p:txBody>
+      </p:sp>
+      <p:sp>
+        <p:nvSpPr>
+          <p:cNvPr id="3" name="Content Placeholder 2">
+            <a:extLst>
+              <a:ext uri="{FF2B5EF4-FFF2-40B4-BE49-F238E27FC236}">
+                <a16:creationId xmlns:a16="http://schemas.microsoft.com/office/drawing/2014/main" id="{EEA4FF00-EA79-D182-20AF-4555C4E39DDA}"/>
+              </a:ext>
+            </a:extLst>
+          </p:cNvPr>
+          <p:cNvSpPr>
+            <a:spLocks noGrp="1"/>
+          </p:cNvSpPr>
+          <p:nvPr>
+            <p:ph idx="1"/>
+          </p:nvPr>
+        </p:nvSpPr>
+        <p:spPr/>
+        <p:txBody>
+          <a:bodyPr/>
+          <a:lstStyle/>
+          <a:p>
+            <a:r>
+              <a:rPr lang="en-US" dirty="0"/>
+              <a:t>The model achieves </a:t>
+            </a:r>
+            <a:r>
+              <a:rPr lang="en-US" b="1" dirty="0"/>
+              <a:t>approximately 88% overall accuracy</a:t>
+            </a:r>
+            <a:r>
+              <a:rPr lang="en-US" dirty="0"/>
+              <a:t>, meaning it predicts correctly for about 9 out of 10 patients.</a:t>
+            </a:r>
+          </a:p>
+          <a:p>
+            <a:r>
+              <a:rPr lang="en-US" dirty="0"/>
+              <a:t>However, </a:t>
+            </a:r>
+            <a:r>
+              <a:rPr lang="en-US" b="1" dirty="0"/>
+              <a:t>recall for high-risk (readmitted) patients is very low (&lt;5%)</a:t>
+            </a:r>
+            <a:r>
+              <a:rPr lang="en-US" dirty="0"/>
+              <a:t>, meaning most true readmissions are missed.</a:t>
+            </a:r>
+          </a:p>
+          <a:p>
+            <a:r>
+              <a:rPr lang="en-US" dirty="0"/>
+              <a:t>This shows the model is </a:t>
+            </a:r>
+            <a:r>
+              <a:rPr lang="en-US" b="1" dirty="0"/>
+              <a:t>good at predicting non-readmissions</a:t>
+            </a:r>
+            <a:r>
+              <a:rPr lang="en-US" dirty="0"/>
+              <a:t>, but </a:t>
+            </a:r>
+            <a:r>
+              <a:rPr lang="en-US" b="1" dirty="0"/>
+              <a:t>poor at catching actual high-risk patients</a:t>
+            </a:r>
+            <a:r>
+              <a:rPr lang="en-US" dirty="0"/>
+              <a:t> — a critical gap in healthcare settings.</a:t>
+            </a:r>
+          </a:p>
+        </p:txBody>
+      </p:sp>
+    </p:spTree>
+    <p:extLst>
+      <p:ext uri="{BB962C8B-B14F-4D97-AF65-F5344CB8AC3E}">
+        <p14:creationId xmlns:p14="http://schemas.microsoft.com/office/powerpoint/2010/main" val="304238401"/>
+      </p:ext>
+    </p:extLst>
+  </p:cSld>
+  <p:clrMapOvr>
+    <a:masterClrMapping/>
+  </p:clrMapOvr>
+</p:sld>
+</file>
+
+<file path=ppt/slides/slide17.xml><?xml version="1.0" encoding="utf-8"?>
+<p:sld xmlns:a="http://schemas.openxmlformats.org/drawingml/2006/main" xmlns:r="http://schemas.openxmlformats.org/officeDocument/2006/relationships" xmlns:p="http://schemas.openxmlformats.org/presentationml/2006/main">
+  <p:cSld>
+    <p:spTree>
+      <p:nvGrpSpPr>
+        <p:cNvPr id="1" name=""/>
+        <p:cNvGrpSpPr/>
+        <p:nvPr/>
+      </p:nvGrpSpPr>
+      <p:grpSpPr>
+        <a:xfrm>
+          <a:off x="0" y="0"/>
+          <a:ext cx="0" cy="0"/>
+          <a:chOff x="0" y="0"/>
+          <a:chExt cx="0" cy="0"/>
+        </a:xfrm>
+      </p:grpSpPr>
+      <p:sp>
+        <p:nvSpPr>
+          <p:cNvPr id="2" name="Title 1">
+            <a:extLst>
+              <a:ext uri="{FF2B5EF4-FFF2-40B4-BE49-F238E27FC236}">
+                <a16:creationId xmlns:a16="http://schemas.microsoft.com/office/drawing/2014/main" id="{19D7E8D7-5F47-2BC1-1945-4B807D934C52}"/>
+              </a:ext>
+            </a:extLst>
+          </p:cNvPr>
+          <p:cNvSpPr>
+            <a:spLocks noGrp="1"/>
+          </p:cNvSpPr>
+          <p:nvPr>
+            <p:ph type="title"/>
+          </p:nvPr>
+        </p:nvSpPr>
+        <p:spPr/>
+        <p:txBody>
+          <a:bodyPr/>
+          <a:lstStyle/>
+          <a:p>
+            <a:r>
+              <a:rPr lang="en-US" b="1" dirty="0"/>
+              <a:t>Uses Of The Key Findings</a:t>
+            </a:r>
+          </a:p>
+        </p:txBody>
+      </p:sp>
+      <p:sp>
+        <p:nvSpPr>
+          <p:cNvPr id="3" name="Content Placeholder 2">
+            <a:extLst>
+              <a:ext uri="{FF2B5EF4-FFF2-40B4-BE49-F238E27FC236}">
+                <a16:creationId xmlns:a16="http://schemas.microsoft.com/office/drawing/2014/main" id="{61A22C7F-3E34-535D-5F0E-47AD88885FE9}"/>
+              </a:ext>
+            </a:extLst>
+          </p:cNvPr>
+          <p:cNvSpPr>
+            <a:spLocks noGrp="1"/>
+          </p:cNvSpPr>
+          <p:nvPr>
+            <p:ph idx="1"/>
+          </p:nvPr>
+        </p:nvSpPr>
+        <p:spPr/>
+        <p:txBody>
+          <a:bodyPr/>
+          <a:lstStyle/>
+          <a:p>
+            <a:r>
+              <a:rPr lang="en-US" b="1" dirty="0"/>
+              <a:t>Improved Care:</a:t>
+            </a:r>
+            <a:r>
+              <a:rPr lang="en-US" dirty="0"/>
+              <a:t> Extra monitoring for patients flagged as high-risk.</a:t>
+            </a:r>
+          </a:p>
+          <a:p>
+            <a:r>
+              <a:rPr lang="en-US" b="1" dirty="0"/>
+              <a:t>Cost Savings:</a:t>
+            </a:r>
+            <a:r>
+              <a:rPr lang="en-US" dirty="0"/>
+              <a:t> Reducing readmissions saves hospital resources and prevents financial penalties.</a:t>
+            </a:r>
+          </a:p>
+          <a:p>
+            <a:r>
+              <a:rPr lang="en-US" b="1" dirty="0"/>
+              <a:t>Patient Well-Being:</a:t>
+            </a:r>
+            <a:r>
+              <a:rPr lang="en-US" dirty="0"/>
+              <a:t> Patients avoid the stress and health risks of returning soon after discharge.</a:t>
+            </a:r>
+          </a:p>
+          <a:p>
+            <a:r>
+              <a:rPr lang="en-US" b="1" dirty="0"/>
+              <a:t>Planning &amp; Policy:</a:t>
+            </a:r>
+            <a:r>
+              <a:rPr lang="en-US" dirty="0"/>
+              <a:t> Helps hospital management design better discharge and follow-up programs.</a:t>
+            </a:r>
+          </a:p>
+        </p:txBody>
+      </p:sp>
+    </p:spTree>
+    <p:extLst>
+      <p:ext uri="{BB962C8B-B14F-4D97-AF65-F5344CB8AC3E}">
+        <p14:creationId xmlns:p14="http://schemas.microsoft.com/office/powerpoint/2010/main" val="95298227"/>
+      </p:ext>
+    </p:extLst>
+  </p:cSld>
+  <p:clrMapOvr>
+    <a:masterClrMapping/>
+  </p:clrMapOvr>
+</p:sld>
+</file>
+
+<file path=ppt/slides/slide18.xml><?xml version="1.0" encoding="utf-8"?>
+<p:sld xmlns:a="http://schemas.openxmlformats.org/drawingml/2006/main" xmlns:r="http://schemas.openxmlformats.org/officeDocument/2006/relationships" xmlns:p="http://schemas.openxmlformats.org/presentationml/2006/main">
+  <p:cSld>
+    <p:spTree>
+      <p:nvGrpSpPr>
+        <p:cNvPr id="1" name=""/>
+        <p:cNvGrpSpPr/>
+        <p:nvPr/>
+      </p:nvGrpSpPr>
+      <p:grpSpPr>
+        <a:xfrm>
+          <a:off x="0" y="0"/>
+          <a:ext cx="0" cy="0"/>
+          <a:chOff x="0" y="0"/>
+          <a:chExt cx="0" cy="0"/>
+        </a:xfrm>
+      </p:grpSpPr>
+      <p:sp>
+        <p:nvSpPr>
+          <p:cNvPr id="2" name="Title 1">
+            <a:extLst>
+              <a:ext uri="{FF2B5EF4-FFF2-40B4-BE49-F238E27FC236}">
+                <a16:creationId xmlns:a16="http://schemas.microsoft.com/office/drawing/2014/main" id="{C35530BF-5A90-E2BD-4F61-9BEC5E2CC5E5}"/>
+              </a:ext>
+            </a:extLst>
+          </p:cNvPr>
+          <p:cNvSpPr>
+            <a:spLocks noGrp="1"/>
+          </p:cNvSpPr>
+          <p:nvPr>
+            <p:ph type="title"/>
+          </p:nvPr>
+        </p:nvSpPr>
+        <p:spPr/>
+        <p:txBody>
+          <a:bodyPr/>
+          <a:lstStyle/>
+          <a:p>
+            <a:r>
+              <a:rPr lang="en-US" dirty="0"/>
+              <a:t>                       </a:t>
+            </a:r>
+            <a:r>
+              <a:rPr lang="en-US" b="1" dirty="0"/>
+              <a:t>Recommendations</a:t>
+            </a:r>
+          </a:p>
+        </p:txBody>
+      </p:sp>
+      <p:sp>
+        <p:nvSpPr>
+          <p:cNvPr id="3" name="Content Placeholder 2">
+            <a:extLst>
+              <a:ext uri="{FF2B5EF4-FFF2-40B4-BE49-F238E27FC236}">
+                <a16:creationId xmlns:a16="http://schemas.microsoft.com/office/drawing/2014/main" id="{4AA65ACF-1344-EBB3-82FD-AC47190313BB}"/>
+              </a:ext>
+            </a:extLst>
+          </p:cNvPr>
+          <p:cNvSpPr>
+            <a:spLocks noGrp="1"/>
+          </p:cNvSpPr>
+          <p:nvPr>
+            <p:ph idx="1"/>
+          </p:nvPr>
+        </p:nvSpPr>
+        <p:spPr/>
+        <p:txBody>
+          <a:bodyPr>
+            <a:normAutofit lnSpcReduction="10000"/>
+          </a:bodyPr>
+          <a:lstStyle/>
+          <a:p>
+            <a:r>
+              <a:rPr lang="en-US" b="1" dirty="0"/>
+              <a:t>Target High-Risk Patients</a:t>
+            </a:r>
+            <a:r>
+              <a:rPr lang="en-US" dirty="0"/>
+              <a:t> → Provide follow-up care for those with long hospital stays or frequent prior visits.</a:t>
+            </a:r>
+          </a:p>
+          <a:p>
+            <a:r>
+              <a:rPr lang="en-US" b="1" dirty="0"/>
+              <a:t>Medication Management</a:t>
+            </a:r>
+            <a:r>
+              <a:rPr lang="en-US" dirty="0"/>
+              <a:t> → Review and optimize prescriptions linked to higher readmission risks.</a:t>
+            </a:r>
+          </a:p>
+          <a:p>
+            <a:r>
+              <a:rPr lang="en-US" dirty="0"/>
+              <a:t> </a:t>
+            </a:r>
+            <a:r>
+              <a:rPr lang="en-US" b="1" dirty="0"/>
+              <a:t>Discharge Planning</a:t>
+            </a:r>
+            <a:r>
+              <a:rPr lang="en-US" dirty="0"/>
+              <a:t> → Strengthen patient education and support before leaving the hospital. </a:t>
+            </a:r>
+          </a:p>
+          <a:p>
+            <a:r>
+              <a:rPr lang="en-US" dirty="0"/>
+              <a:t> </a:t>
+            </a:r>
+            <a:r>
+              <a:rPr lang="en-US" b="1" dirty="0"/>
+              <a:t>Preventive Care</a:t>
+            </a:r>
+            <a:r>
+              <a:rPr lang="en-US" dirty="0"/>
+              <a:t> → Encourage early outpatient visits to reduce unnecessary readmissions.</a:t>
+            </a:r>
+          </a:p>
+          <a:p>
+            <a:r>
+              <a:rPr lang="en-US" dirty="0"/>
+              <a:t> </a:t>
+            </a:r>
+            <a:r>
+              <a:rPr lang="en-US" b="1" dirty="0"/>
+              <a:t>Resource Allocation</a:t>
+            </a:r>
+            <a:r>
+              <a:rPr lang="en-US" dirty="0"/>
+              <a:t> → Focus hospital resources where readmission risk is highest to cut costs and improve outcomes.</a:t>
+            </a:r>
+            <a:endParaRPr lang="en-US" b="1" dirty="0"/>
+          </a:p>
+        </p:txBody>
+      </p:sp>
+    </p:spTree>
+    <p:extLst>
+      <p:ext uri="{BB962C8B-B14F-4D97-AF65-F5344CB8AC3E}">
+        <p14:creationId xmlns:p14="http://schemas.microsoft.com/office/powerpoint/2010/main" val="2861924024"/>
       </p:ext>
     </p:extLst>
   </p:cSld>
@@ -3454,7 +4531,11 @@
           <a:p>
             <a:r>
               <a:rPr lang="en-US" dirty="0"/>
-              <a:t>                        Introduction</a:t>
+              <a:t>                        </a:t>
+            </a:r>
+            <a:r>
+              <a:rPr lang="en-US" b="1" dirty="0"/>
+              <a:t>Introduction</a:t>
             </a:r>
           </a:p>
         </p:txBody>
@@ -3607,8 +4688,8 @@
           <a:lstStyle/>
           <a:p>
             <a:r>
-              <a:rPr lang="en-US" dirty="0"/>
-              <a:t>Business Problem</a:t>
+              <a:rPr lang="en-US" b="1" dirty="0"/>
+              <a:t>             Business Problem</a:t>
             </a:r>
           </a:p>
         </p:txBody>
@@ -3712,7 +4793,7 @@
           <a:lstStyle/>
           <a:p>
             <a:r>
-              <a:rPr lang="en-US" dirty="0"/>
+              <a:rPr lang="en-US" b="1" dirty="0"/>
               <a:t>                         Project Objectives</a:t>
             </a:r>
           </a:p>
@@ -3931,7 +5012,11 @@
           <a:p>
             <a:r>
               <a:rPr lang="en-US" dirty="0"/>
-              <a:t>                       Project Objectives</a:t>
+              <a:t>                       </a:t>
+            </a:r>
+            <a:r>
+              <a:rPr lang="en-US" b="1" dirty="0"/>
+              <a:t>Project Objectives</a:t>
             </a:r>
           </a:p>
         </p:txBody>
@@ -4104,39 +5189,378 @@
           <a:bodyPr/>
           <a:lstStyle/>
           <a:p>
-            <a:endParaRPr lang="en-US" dirty="0"/>
-          </a:p>
-        </p:txBody>
-      </p:sp>
-      <p:sp>
-        <p:nvSpPr>
-          <p:cNvPr id="3" name="Content Placeholder 2">
-            <a:extLst>
-              <a:ext uri="{FF2B5EF4-FFF2-40B4-BE49-F238E27FC236}">
-                <a16:creationId xmlns:a16="http://schemas.microsoft.com/office/drawing/2014/main" id="{8DA3FBA4-F1FC-C660-D93C-0968035A2222}"/>
-              </a:ext>
-            </a:extLst>
-          </p:cNvPr>
-          <p:cNvSpPr>
-            <a:spLocks noGrp="1"/>
-          </p:cNvSpPr>
+            <a:r>
+              <a:rPr lang="en-US" b="1" dirty="0"/>
+              <a:t>Data Understanding</a:t>
+            </a:r>
+            <a:r>
+              <a:rPr lang="en-US" dirty="0"/>
+              <a:t>(Target Distribution, not less </a:t>
+            </a:r>
+            <a:r>
+              <a:rPr lang="en-US" dirty="0" err="1"/>
+              <a:t>tha</a:t>
+            </a:r>
+            <a:r>
+              <a:rPr lang="en-US" dirty="0"/>
+              <a:t> 30,less than 30)</a:t>
+            </a:r>
+          </a:p>
+        </p:txBody>
+      </p:sp>
+      <p:pic>
+        <p:nvPicPr>
+          <p:cNvPr id="5" name="Content Placeholder 4">
+            <a:extLst>
+              <a:ext uri="{FF2B5EF4-FFF2-40B4-BE49-F238E27FC236}">
+                <a16:creationId xmlns:a16="http://schemas.microsoft.com/office/drawing/2014/main" id="{8BD6EAFD-E88C-CA87-B109-6888033F6269}"/>
+              </a:ext>
+            </a:extLst>
+          </p:cNvPr>
+          <p:cNvPicPr>
+            <a:picLocks noGrp="1" noChangeAspect="1"/>
+          </p:cNvPicPr>
           <p:nvPr>
             <p:ph idx="1"/>
           </p:nvPr>
-        </p:nvSpPr>
-        <p:spPr/>
-        <p:txBody>
-          <a:bodyPr/>
-          <a:lstStyle/>
-          <a:p>
-            <a:endParaRPr lang="en-US" dirty="0"/>
-          </a:p>
-        </p:txBody>
-      </p:sp>
+        </p:nvPicPr>
+        <p:blipFill>
+          <a:blip r:embed="rId2"/>
+          <a:stretch>
+            <a:fillRect/>
+          </a:stretch>
+        </p:blipFill>
+        <p:spPr>
+          <a:xfrm>
+            <a:off x="3814444" y="2124607"/>
+            <a:ext cx="4563112" cy="3753374"/>
+          </a:xfrm>
+        </p:spPr>
+      </p:pic>
     </p:spTree>
     <p:extLst>
       <p:ext uri="{BB962C8B-B14F-4D97-AF65-F5344CB8AC3E}">
         <p14:creationId xmlns:p14="http://schemas.microsoft.com/office/powerpoint/2010/main" val="3421110428"/>
+      </p:ext>
+    </p:extLst>
+  </p:cSld>
+  <p:clrMapOvr>
+    <a:masterClrMapping/>
+  </p:clrMapOvr>
+</p:sld>
+</file>
+
+<file path=ppt/slides/slide7.xml><?xml version="1.0" encoding="utf-8"?>
+<p:sld xmlns:a="http://schemas.openxmlformats.org/drawingml/2006/main" xmlns:r="http://schemas.openxmlformats.org/officeDocument/2006/relationships" xmlns:p="http://schemas.openxmlformats.org/presentationml/2006/main">
+  <p:cSld>
+    <p:spTree>
+      <p:nvGrpSpPr>
+        <p:cNvPr id="1" name=""/>
+        <p:cNvGrpSpPr/>
+        <p:nvPr/>
+      </p:nvGrpSpPr>
+      <p:grpSpPr>
+        <a:xfrm>
+          <a:off x="0" y="0"/>
+          <a:ext cx="0" cy="0"/>
+          <a:chOff x="0" y="0"/>
+          <a:chExt cx="0" cy="0"/>
+        </a:xfrm>
+      </p:grpSpPr>
+      <p:sp>
+        <p:nvSpPr>
+          <p:cNvPr id="2" name="Title 1">
+            <a:extLst>
+              <a:ext uri="{FF2B5EF4-FFF2-40B4-BE49-F238E27FC236}">
+                <a16:creationId xmlns:a16="http://schemas.microsoft.com/office/drawing/2014/main" id="{79A582D5-FFDC-528F-6394-7200F635A5F4}"/>
+              </a:ext>
+            </a:extLst>
+          </p:cNvPr>
+          <p:cNvSpPr>
+            <a:spLocks noGrp="1"/>
+          </p:cNvSpPr>
+          <p:nvPr>
+            <p:ph type="title"/>
+          </p:nvPr>
+        </p:nvSpPr>
+        <p:spPr/>
+        <p:txBody>
+          <a:bodyPr/>
+          <a:lstStyle/>
+          <a:p>
+            <a:r>
+              <a:rPr lang="en-US" b="1" dirty="0"/>
+              <a:t>Data Understanding</a:t>
+            </a:r>
+            <a:r>
+              <a:rPr lang="en-US" dirty="0"/>
+              <a:t> (Target Distribution, not less </a:t>
+            </a:r>
+            <a:r>
+              <a:rPr lang="en-US" dirty="0" err="1"/>
+              <a:t>tha</a:t>
+            </a:r>
+            <a:r>
+              <a:rPr lang="en-US" dirty="0"/>
+              <a:t> 30,less than 30)</a:t>
+            </a:r>
+            <a:endParaRPr lang="en-US" b="1" dirty="0"/>
+          </a:p>
+        </p:txBody>
+      </p:sp>
+      <p:sp>
+        <p:nvSpPr>
+          <p:cNvPr id="3" name="Content Placeholder 2">
+            <a:extLst>
+              <a:ext uri="{FF2B5EF4-FFF2-40B4-BE49-F238E27FC236}">
+                <a16:creationId xmlns:a16="http://schemas.microsoft.com/office/drawing/2014/main" id="{8FB04A56-6AD2-CDB7-3D39-A9512059BC06}"/>
+              </a:ext>
+            </a:extLst>
+          </p:cNvPr>
+          <p:cNvSpPr>
+            <a:spLocks noGrp="1"/>
+          </p:cNvSpPr>
+          <p:nvPr>
+            <p:ph idx="1"/>
+          </p:nvPr>
+        </p:nvSpPr>
+        <p:spPr/>
+        <p:txBody>
+          <a:bodyPr/>
+          <a:lstStyle/>
+          <a:p>
+            <a:r>
+              <a:rPr lang="en-US" dirty="0"/>
+              <a:t>Most patients are </a:t>
+            </a:r>
+            <a:r>
+              <a:rPr lang="en-US" b="1" dirty="0"/>
+              <a:t>not readmitted within 30 days</a:t>
+            </a:r>
+            <a:r>
+              <a:rPr lang="en-US" dirty="0"/>
+              <a:t>, but a smaller group is. This means we have a </a:t>
+            </a:r>
+            <a:r>
+              <a:rPr lang="en-US" b="1" dirty="0"/>
+              <a:t>clear imbalance</a:t>
+            </a:r>
+            <a:r>
+              <a:rPr lang="en-US" dirty="0"/>
+              <a:t>: fewer readmitted patients compared to those not readmitted. This imbalance makes predicting who is at risk harder but also more important.</a:t>
+            </a:r>
+          </a:p>
+        </p:txBody>
+      </p:sp>
+    </p:spTree>
+    <p:extLst>
+      <p:ext uri="{BB962C8B-B14F-4D97-AF65-F5344CB8AC3E}">
+        <p14:creationId xmlns:p14="http://schemas.microsoft.com/office/powerpoint/2010/main" val="3602955482"/>
+      </p:ext>
+    </p:extLst>
+  </p:cSld>
+  <p:clrMapOvr>
+    <a:masterClrMapping/>
+  </p:clrMapOvr>
+</p:sld>
+</file>
+
+<file path=ppt/slides/slide8.xml><?xml version="1.0" encoding="utf-8"?>
+<p:sld xmlns:a="http://schemas.openxmlformats.org/drawingml/2006/main" xmlns:r="http://schemas.openxmlformats.org/officeDocument/2006/relationships" xmlns:p="http://schemas.openxmlformats.org/presentationml/2006/main">
+  <p:cSld>
+    <p:spTree>
+      <p:nvGrpSpPr>
+        <p:cNvPr id="1" name=""/>
+        <p:cNvGrpSpPr/>
+        <p:nvPr/>
+      </p:nvGrpSpPr>
+      <p:grpSpPr>
+        <a:xfrm>
+          <a:off x="0" y="0"/>
+          <a:ext cx="0" cy="0"/>
+          <a:chOff x="0" y="0"/>
+          <a:chExt cx="0" cy="0"/>
+        </a:xfrm>
+      </p:grpSpPr>
+      <p:sp>
+        <p:nvSpPr>
+          <p:cNvPr id="2" name="Title 1">
+            <a:extLst>
+              <a:ext uri="{FF2B5EF4-FFF2-40B4-BE49-F238E27FC236}">
+                <a16:creationId xmlns:a16="http://schemas.microsoft.com/office/drawing/2014/main" id="{09743C6E-BEBD-9366-334A-8C3F0AF893B2}"/>
+              </a:ext>
+            </a:extLst>
+          </p:cNvPr>
+          <p:cNvSpPr>
+            <a:spLocks noGrp="1"/>
+          </p:cNvSpPr>
+          <p:nvPr>
+            <p:ph type="title"/>
+          </p:nvPr>
+        </p:nvSpPr>
+        <p:spPr/>
+        <p:txBody>
+          <a:bodyPr/>
+          <a:lstStyle/>
+          <a:p>
+            <a:r>
+              <a:rPr lang="en-US" b="1" dirty="0"/>
+              <a:t>    Data Understanding</a:t>
+            </a:r>
+            <a:r>
+              <a:rPr lang="en-US" dirty="0"/>
+              <a:t>(Readmission By Age)</a:t>
+            </a:r>
+          </a:p>
+        </p:txBody>
+      </p:sp>
+      <p:pic>
+        <p:nvPicPr>
+          <p:cNvPr id="5" name="Content Placeholder 4">
+            <a:extLst>
+              <a:ext uri="{FF2B5EF4-FFF2-40B4-BE49-F238E27FC236}">
+                <a16:creationId xmlns:a16="http://schemas.microsoft.com/office/drawing/2014/main" id="{07A21190-75F0-0E01-F13D-2B362B49DD9C}"/>
+              </a:ext>
+            </a:extLst>
+          </p:cNvPr>
+          <p:cNvPicPr>
+            <a:picLocks noGrp="1" noChangeAspect="1"/>
+          </p:cNvPicPr>
+          <p:nvPr>
+            <p:ph idx="1"/>
+          </p:nvPr>
+        </p:nvPicPr>
+        <p:blipFill>
+          <a:blip r:embed="rId2"/>
+          <a:stretch>
+            <a:fillRect/>
+          </a:stretch>
+        </p:blipFill>
+        <p:spPr>
+          <a:xfrm>
+            <a:off x="2322506" y="1825625"/>
+            <a:ext cx="7546988" cy="4351338"/>
+          </a:xfrm>
+        </p:spPr>
+      </p:pic>
+    </p:spTree>
+    <p:extLst>
+      <p:ext uri="{BB962C8B-B14F-4D97-AF65-F5344CB8AC3E}">
+        <p14:creationId xmlns:p14="http://schemas.microsoft.com/office/powerpoint/2010/main" val="294033593"/>
+      </p:ext>
+    </p:extLst>
+  </p:cSld>
+  <p:clrMapOvr>
+    <a:masterClrMapping/>
+  </p:clrMapOvr>
+</p:sld>
+</file>
+
+<file path=ppt/slides/slide9.xml><?xml version="1.0" encoding="utf-8"?>
+<p:sld xmlns:a="http://schemas.openxmlformats.org/drawingml/2006/main" xmlns:r="http://schemas.openxmlformats.org/officeDocument/2006/relationships" xmlns:p="http://schemas.openxmlformats.org/presentationml/2006/main">
+  <p:cSld>
+    <p:spTree>
+      <p:nvGrpSpPr>
+        <p:cNvPr id="1" name=""/>
+        <p:cNvGrpSpPr/>
+        <p:nvPr/>
+      </p:nvGrpSpPr>
+      <p:grpSpPr>
+        <a:xfrm>
+          <a:off x="0" y="0"/>
+          <a:ext cx="0" cy="0"/>
+          <a:chOff x="0" y="0"/>
+          <a:chExt cx="0" cy="0"/>
+        </a:xfrm>
+      </p:grpSpPr>
+      <p:sp>
+        <p:nvSpPr>
+          <p:cNvPr id="2" name="Title 1">
+            <a:extLst>
+              <a:ext uri="{FF2B5EF4-FFF2-40B4-BE49-F238E27FC236}">
+                <a16:creationId xmlns:a16="http://schemas.microsoft.com/office/drawing/2014/main" id="{51267D70-EBF1-085D-ACE2-1EB952405705}"/>
+              </a:ext>
+            </a:extLst>
+          </p:cNvPr>
+          <p:cNvSpPr>
+            <a:spLocks noGrp="1"/>
+          </p:cNvSpPr>
+          <p:nvPr>
+            <p:ph type="title"/>
+          </p:nvPr>
+        </p:nvSpPr>
+        <p:spPr/>
+        <p:txBody>
+          <a:bodyPr/>
+          <a:lstStyle/>
+          <a:p>
+            <a:r>
+              <a:rPr lang="en-US" b="1" dirty="0"/>
+              <a:t>Data Understanding</a:t>
+            </a:r>
+            <a:r>
+              <a:rPr lang="en-US" dirty="0"/>
+              <a:t>(Readmission By Age)</a:t>
+            </a:r>
+          </a:p>
+        </p:txBody>
+      </p:sp>
+      <p:sp>
+        <p:nvSpPr>
+          <p:cNvPr id="3" name="Content Placeholder 2">
+            <a:extLst>
+              <a:ext uri="{FF2B5EF4-FFF2-40B4-BE49-F238E27FC236}">
+                <a16:creationId xmlns:a16="http://schemas.microsoft.com/office/drawing/2014/main" id="{9BF2A087-9AC0-0BEB-8EFB-BF92E7FCCB4F}"/>
+              </a:ext>
+            </a:extLst>
+          </p:cNvPr>
+          <p:cNvSpPr>
+            <a:spLocks noGrp="1"/>
+          </p:cNvSpPr>
+          <p:nvPr>
+            <p:ph idx="1"/>
+          </p:nvPr>
+        </p:nvSpPr>
+        <p:spPr/>
+        <p:txBody>
+          <a:bodyPr/>
+          <a:lstStyle/>
+          <a:p>
+            <a:r>
+              <a:rPr lang="en-US" dirty="0"/>
+              <a:t>Readmission risk varies across </a:t>
+            </a:r>
+            <a:r>
+              <a:rPr lang="en-US" b="1" dirty="0"/>
+              <a:t>age groups</a:t>
+            </a:r>
+            <a:r>
+              <a:rPr lang="en-US" dirty="0"/>
+              <a:t>. Certain age brackets (often middle-aged to older patients) show a </a:t>
+            </a:r>
+            <a:r>
+              <a:rPr lang="en-US" b="1" dirty="0"/>
+              <a:t>higher chance of being readmitted</a:t>
+            </a:r>
+            <a:r>
+              <a:rPr lang="en-US" dirty="0"/>
+              <a:t>, suggesting that </a:t>
+            </a:r>
+            <a:r>
+              <a:rPr lang="en-US" b="1" dirty="0"/>
+              <a:t>age is a significant factor</a:t>
+            </a:r>
+            <a:r>
+              <a:rPr lang="en-US" dirty="0"/>
+              <a:t> in hospital return rates.</a:t>
+            </a:r>
+          </a:p>
+        </p:txBody>
+      </p:sp>
+    </p:spTree>
+    <p:extLst>
+      <p:ext uri="{BB962C8B-B14F-4D97-AF65-F5344CB8AC3E}">
+        <p14:creationId xmlns:p14="http://schemas.microsoft.com/office/powerpoint/2010/main" val="1264835100"/>
       </p:ext>
     </p:extLst>
   </p:cSld>
